--- a/TestingEverythingForASPNETMVCApplications/Presentation.pptx
+++ b/TestingEverythingForASPNETMVCApplications/Presentation.pptx
@@ -6,25 +6,24 @@
   </p:sldMasterIdLst>
   <p:sldIdLst>
     <p:sldId id="277" r:id="rId2"/>
-    <p:sldId id="303" r:id="rId3"/>
-    <p:sldId id="290" r:id="rId4"/>
-    <p:sldId id="291" r:id="rId5"/>
-    <p:sldId id="292" r:id="rId6"/>
-    <p:sldId id="315" r:id="rId7"/>
-    <p:sldId id="280" r:id="rId8"/>
-    <p:sldId id="307" r:id="rId9"/>
-    <p:sldId id="308" r:id="rId10"/>
-    <p:sldId id="317" r:id="rId11"/>
-    <p:sldId id="296" r:id="rId12"/>
-    <p:sldId id="318" r:id="rId13"/>
-    <p:sldId id="319" r:id="rId14"/>
-    <p:sldId id="298" r:id="rId15"/>
-    <p:sldId id="312" r:id="rId16"/>
-    <p:sldId id="320" r:id="rId17"/>
+    <p:sldId id="290" r:id="rId3"/>
+    <p:sldId id="291" r:id="rId4"/>
+    <p:sldId id="292" r:id="rId5"/>
+    <p:sldId id="315" r:id="rId6"/>
+    <p:sldId id="280" r:id="rId7"/>
+    <p:sldId id="307" r:id="rId8"/>
+    <p:sldId id="308" r:id="rId9"/>
+    <p:sldId id="317" r:id="rId10"/>
+    <p:sldId id="296" r:id="rId11"/>
+    <p:sldId id="318" r:id="rId12"/>
+    <p:sldId id="319" r:id="rId13"/>
+    <p:sldId id="298" r:id="rId14"/>
+    <p:sldId id="312" r:id="rId15"/>
+    <p:sldId id="320" r:id="rId16"/>
+    <p:sldId id="300" r:id="rId17"/>
     <p:sldId id="321" r:id="rId18"/>
-    <p:sldId id="300" r:id="rId19"/>
-    <p:sldId id="314" r:id="rId20"/>
-    <p:sldId id="288" r:id="rId21"/>
+    <p:sldId id="314" r:id="rId19"/>
+    <p:sldId id="288" r:id="rId20"/>
   </p:sldIdLst>
   <p:sldSz cx="9144000" cy="6858000" type="screen4x3"/>
   <p:notesSz cx="6858000" cy="9144000"/>
@@ -125,7 +124,7 @@
   </p:defaultTextStyle>
   <p:extLst>
     <p:ext uri="{EFAFB233-063F-42B5-8137-9DF3F51BA10A}">
-      <p15:sldGuideLst xmlns:p15="http://schemas.microsoft.com/office/powerpoint/2012/main">
+      <p15:sldGuideLst xmlns="" xmlns:p15="http://schemas.microsoft.com/office/powerpoint/2012/main">
         <p15:guide id="1" orient="horz" pos="2160">
           <p15:clr>
             <a:srgbClr val="A4A3A4"/>
@@ -142,1004 +141,6 @@
 </p:presentation>
 </file>
 
-<file path=ppt/charts/chart1.xml><?xml version="1.0" encoding="utf-8"?>
-<c:chartSpace xmlns:c="http://schemas.openxmlformats.org/drawingml/2006/chart" xmlns:a="http://schemas.openxmlformats.org/drawingml/2006/main" xmlns:r="http://schemas.openxmlformats.org/officeDocument/2006/relationships">
-  <c:date1904 val="0"/>
-  <c:lang val="en-US"/>
-  <c:roundedCorners val="0"/>
-  <mc:AlternateContent xmlns:mc="http://schemas.openxmlformats.org/markup-compatibility/2006">
-    <mc:Choice xmlns:c14="http://schemas.microsoft.com/office/drawing/2007/8/2/chart" Requires="c14">
-      <c14:style val="102"/>
-    </mc:Choice>
-    <mc:Fallback>
-      <c:style val="2"/>
-    </mc:Fallback>
-  </mc:AlternateContent>
-  <c:chart>
-    <c:autoTitleDeleted val="1"/>
-    <c:plotArea>
-      <c:layout/>
-      <c:pieChart>
-        <c:varyColors val="1"/>
-        <c:ser>
-          <c:idx val="0"/>
-          <c:order val="0"/>
-          <c:tx>
-            <c:strRef>
-              <c:f>Sheet1!$B$1</c:f>
-              <c:strCache>
-                <c:ptCount val="1"/>
-                <c:pt idx="0">
-                  <c:v>Testing</c:v>
-                </c:pt>
-              </c:strCache>
-            </c:strRef>
-          </c:tx>
-          <c:dPt>
-            <c:idx val="0"/>
-            <c:bubble3D val="0"/>
-            <c:spPr>
-              <a:solidFill>
-                <a:schemeClr val="accent1"/>
-              </a:solidFill>
-              <a:ln>
-                <a:noFill/>
-              </a:ln>
-              <a:effectLst>
-                <a:outerShdw blurRad="254000" sx="102000" sy="102000" algn="ctr" rotWithShape="0">
-                  <a:prstClr val="black">
-                    <a:alpha val="20000"/>
-                  </a:prstClr>
-                </a:outerShdw>
-              </a:effectLst>
-            </c:spPr>
-          </c:dPt>
-          <c:dPt>
-            <c:idx val="1"/>
-            <c:bubble3D val="0"/>
-            <c:spPr>
-              <a:solidFill>
-                <a:schemeClr val="accent2"/>
-              </a:solidFill>
-              <a:ln>
-                <a:noFill/>
-              </a:ln>
-              <a:effectLst>
-                <a:outerShdw blurRad="254000" sx="102000" sy="102000" algn="ctr" rotWithShape="0">
-                  <a:prstClr val="black">
-                    <a:alpha val="20000"/>
-                  </a:prstClr>
-                </a:outerShdw>
-              </a:effectLst>
-            </c:spPr>
-          </c:dPt>
-          <c:dPt>
-            <c:idx val="2"/>
-            <c:bubble3D val="0"/>
-            <c:spPr>
-              <a:solidFill>
-                <a:schemeClr val="accent3"/>
-              </a:solidFill>
-              <a:ln>
-                <a:noFill/>
-              </a:ln>
-              <a:effectLst>
-                <a:outerShdw blurRad="254000" sx="102000" sy="102000" algn="ctr" rotWithShape="0">
-                  <a:prstClr val="black">
-                    <a:alpha val="20000"/>
-                  </a:prstClr>
-                </a:outerShdw>
-              </a:effectLst>
-            </c:spPr>
-          </c:dPt>
-          <c:dPt>
-            <c:idx val="3"/>
-            <c:bubble3D val="0"/>
-            <c:spPr>
-              <a:solidFill>
-                <a:schemeClr val="accent4"/>
-              </a:solidFill>
-              <a:ln>
-                <a:noFill/>
-              </a:ln>
-              <a:effectLst>
-                <a:outerShdw blurRad="254000" sx="102000" sy="102000" algn="ctr" rotWithShape="0">
-                  <a:prstClr val="black">
-                    <a:alpha val="20000"/>
-                  </a:prstClr>
-                </a:outerShdw>
-              </a:effectLst>
-            </c:spPr>
-          </c:dPt>
-          <c:dPt>
-            <c:idx val="4"/>
-            <c:bubble3D val="0"/>
-            <c:spPr>
-              <a:solidFill>
-                <a:schemeClr val="accent5"/>
-              </a:solidFill>
-              <a:ln>
-                <a:noFill/>
-              </a:ln>
-              <a:effectLst>
-                <a:outerShdw blurRad="254000" sx="102000" sy="102000" algn="ctr" rotWithShape="0">
-                  <a:prstClr val="black">
-                    <a:alpha val="20000"/>
-                  </a:prstClr>
-                </a:outerShdw>
-              </a:effectLst>
-            </c:spPr>
-          </c:dPt>
-          <c:dLbls>
-            <c:spPr>
-              <a:pattFill prst="pct75">
-                <a:fgClr>
-                  <a:schemeClr val="dk1">
-                    <a:lumMod val="75000"/>
-                    <a:lumOff val="25000"/>
-                  </a:schemeClr>
-                </a:fgClr>
-                <a:bgClr>
-                  <a:schemeClr val="dk1">
-                    <a:lumMod val="65000"/>
-                    <a:lumOff val="35000"/>
-                  </a:schemeClr>
-                </a:bgClr>
-              </a:pattFill>
-              <a:ln>
-                <a:noFill/>
-              </a:ln>
-              <a:effectLst>
-                <a:outerShdw blurRad="50800" dist="38100" dir="2700000" algn="tl" rotWithShape="0">
-                  <a:prstClr val="black">
-                    <a:alpha val="40000"/>
-                  </a:prstClr>
-                </a:outerShdw>
-              </a:effectLst>
-            </c:spPr>
-            <c:txPr>
-              <a:bodyPr rot="0" spcFirstLastPara="1" vertOverflow="ellipsis" vert="horz" wrap="square" lIns="38100" tIns="19050" rIns="38100" bIns="19050" anchor="ctr" anchorCtr="1">
-                <a:spAutoFit/>
-              </a:bodyPr>
-              <a:lstStyle/>
-              <a:p>
-                <a:pPr>
-                  <a:defRPr sz="1330" b="1" i="0" u="none" strike="noStrike" kern="1200" baseline="0">
-                    <a:solidFill>
-                      <a:schemeClr val="lt1"/>
-                    </a:solidFill>
-                    <a:latin typeface="+mn-lt"/>
-                    <a:ea typeface="+mn-ea"/>
-                    <a:cs typeface="+mn-cs"/>
-                  </a:defRPr>
-                </a:pPr>
-                <a:endParaRPr lang="en-US"/>
-              </a:p>
-            </c:txPr>
-            <c:dLblPos val="ctr"/>
-            <c:showLegendKey val="0"/>
-            <c:showVal val="1"/>
-            <c:showCatName val="0"/>
-            <c:showSerName val="0"/>
-            <c:showPercent val="0"/>
-            <c:showBubbleSize val="0"/>
-            <c:showLeaderLines val="1"/>
-            <c:leaderLines>
-              <c:spPr>
-                <a:ln w="9525">
-                  <a:solidFill>
-                    <a:schemeClr val="dk1">
-                      <a:lumMod val="50000"/>
-                      <a:lumOff val="50000"/>
-                    </a:schemeClr>
-                  </a:solidFill>
-                </a:ln>
-                <a:effectLst/>
-              </c:spPr>
-            </c:leaderLines>
-            <c:extLst>
-              <c:ext xmlns:c15="http://schemas.microsoft.com/office/drawing/2012/chart" uri="{CE6537A1-D6FC-4f65-9D91-7224C49458BB}">
-                <c15:layout/>
-              </c:ext>
-            </c:extLst>
-          </c:dLbls>
-          <c:cat>
-            <c:strRef>
-              <c:f>Sheet1!$A$2:$A$6</c:f>
-              <c:strCache>
-                <c:ptCount val="5"/>
-                <c:pt idx="0">
-                  <c:v>Only in Production</c:v>
-                </c:pt>
-                <c:pt idx="1">
-                  <c:v>Manual Testing</c:v>
-                </c:pt>
-                <c:pt idx="2">
-                  <c:v>Unit Testing</c:v>
-                </c:pt>
-                <c:pt idx="3">
-                  <c:v>Integration</c:v>
-                </c:pt>
-                <c:pt idx="4">
-                  <c:v>Full End-to-End</c:v>
-                </c:pt>
-              </c:strCache>
-            </c:strRef>
-          </c:cat>
-          <c:val>
-            <c:numRef>
-              <c:f>Sheet1!$B$2:$B$6</c:f>
-              <c:numCache>
-                <c:formatCode>General</c:formatCode>
-                <c:ptCount val="5"/>
-                <c:pt idx="0">
-                  <c:v>1</c:v>
-                </c:pt>
-                <c:pt idx="1">
-                  <c:v>0</c:v>
-                </c:pt>
-                <c:pt idx="2">
-                  <c:v>0</c:v>
-                </c:pt>
-                <c:pt idx="3">
-                  <c:v>0</c:v>
-                </c:pt>
-                <c:pt idx="4">
-                  <c:v>0</c:v>
-                </c:pt>
-              </c:numCache>
-            </c:numRef>
-          </c:val>
-        </c:ser>
-        <c:dLbls>
-          <c:dLblPos val="ctr"/>
-          <c:showLegendKey val="0"/>
-          <c:showVal val="0"/>
-          <c:showCatName val="0"/>
-          <c:showSerName val="0"/>
-          <c:showPercent val="1"/>
-          <c:showBubbleSize val="0"/>
-          <c:showLeaderLines val="1"/>
-        </c:dLbls>
-        <c:firstSliceAng val="0"/>
-      </c:pieChart>
-      <c:spPr>
-        <a:noFill/>
-        <a:ln>
-          <a:noFill/>
-        </a:ln>
-        <a:effectLst/>
-      </c:spPr>
-    </c:plotArea>
-    <c:legend>
-      <c:legendPos val="r"/>
-      <c:layout/>
-      <c:overlay val="0"/>
-      <c:spPr>
-        <a:solidFill>
-          <a:schemeClr val="lt1">
-            <a:lumMod val="95000"/>
-            <a:alpha val="39000"/>
-          </a:schemeClr>
-        </a:solidFill>
-        <a:ln>
-          <a:noFill/>
-        </a:ln>
-        <a:effectLst/>
-      </c:spPr>
-      <c:txPr>
-        <a:bodyPr rot="0" spcFirstLastPara="1" vertOverflow="ellipsis" vert="horz" wrap="square" anchor="ctr" anchorCtr="1"/>
-        <a:lstStyle/>
-        <a:p>
-          <a:pPr>
-            <a:defRPr sz="1197" b="0" i="0" u="none" strike="noStrike" kern="1200" baseline="0">
-              <a:solidFill>
-                <a:schemeClr val="dk1">
-                  <a:lumMod val="75000"/>
-                  <a:lumOff val="25000"/>
-                </a:schemeClr>
-              </a:solidFill>
-              <a:latin typeface="+mn-lt"/>
-              <a:ea typeface="+mn-ea"/>
-              <a:cs typeface="+mn-cs"/>
-            </a:defRPr>
-          </a:pPr>
-          <a:endParaRPr lang="en-US"/>
-        </a:p>
-      </c:txPr>
-    </c:legend>
-    <c:plotVisOnly val="1"/>
-    <c:dispBlanksAs val="gap"/>
-    <c:showDLblsOverMax val="0"/>
-  </c:chart>
-  <c:spPr>
-    <a:gradFill flip="none" rotWithShape="1">
-      <a:gsLst>
-        <a:gs pos="0">
-          <a:schemeClr val="lt1"/>
-        </a:gs>
-        <a:gs pos="39000">
-          <a:schemeClr val="lt1"/>
-        </a:gs>
-        <a:gs pos="100000">
-          <a:schemeClr val="lt1">
-            <a:lumMod val="75000"/>
-          </a:schemeClr>
-        </a:gs>
-      </a:gsLst>
-      <a:path path="circle">
-        <a:fillToRect l="50000" t="-80000" r="50000" b="180000"/>
-      </a:path>
-      <a:tileRect/>
-    </a:gradFill>
-    <a:ln w="9525" cap="flat" cmpd="sng" algn="ctr">
-      <a:solidFill>
-        <a:schemeClr val="dk1">
-          <a:lumMod val="25000"/>
-          <a:lumOff val="75000"/>
-        </a:schemeClr>
-      </a:solidFill>
-      <a:round/>
-    </a:ln>
-    <a:effectLst/>
-  </c:spPr>
-  <c:txPr>
-    <a:bodyPr/>
-    <a:lstStyle/>
-    <a:p>
-      <a:pPr>
-        <a:defRPr/>
-      </a:pPr>
-      <a:endParaRPr lang="en-US"/>
-    </a:p>
-  </c:txPr>
-  <c:externalData r:id="rId3">
-    <c:autoUpdate val="0"/>
-  </c:externalData>
-</c:chartSpace>
-</file>
-
-<file path=ppt/charts/colors1.xml><?xml version="1.0" encoding="utf-8"?>
-<cs:colorStyle xmlns:cs="http://schemas.microsoft.com/office/drawing/2012/chartStyle" xmlns:a="http://schemas.openxmlformats.org/drawingml/2006/main" meth="cycle" id="10">
-  <a:schemeClr val="accent1"/>
-  <a:schemeClr val="accent2"/>
-  <a:schemeClr val="accent3"/>
-  <a:schemeClr val="accent4"/>
-  <a:schemeClr val="accent5"/>
-  <a:schemeClr val="accent6"/>
-  <cs:variation/>
-  <cs:variation>
-    <a:lumMod val="60000"/>
-  </cs:variation>
-  <cs:variation>
-    <a:lumMod val="80000"/>
-    <a:lumOff val="20000"/>
-  </cs:variation>
-  <cs:variation>
-    <a:lumMod val="80000"/>
-  </cs:variation>
-  <cs:variation>
-    <a:lumMod val="60000"/>
-    <a:lumOff val="40000"/>
-  </cs:variation>
-  <cs:variation>
-    <a:lumMod val="50000"/>
-  </cs:variation>
-  <cs:variation>
-    <a:lumMod val="70000"/>
-    <a:lumOff val="30000"/>
-  </cs:variation>
-  <cs:variation>
-    <a:lumMod val="70000"/>
-  </cs:variation>
-  <cs:variation>
-    <a:lumMod val="50000"/>
-    <a:lumOff val="50000"/>
-  </cs:variation>
-</cs:colorStyle>
-</file>
-
-<file path=ppt/charts/style1.xml><?xml version="1.0" encoding="utf-8"?>
-<cs:chartStyle xmlns:cs="http://schemas.microsoft.com/office/drawing/2012/chartStyle" xmlns:a="http://schemas.openxmlformats.org/drawingml/2006/main" id="253">
-  <cs:axisTitle>
-    <cs:lnRef idx="0"/>
-    <cs:fillRef idx="0"/>
-    <cs:effectRef idx="0"/>
-    <cs:fontRef idx="minor">
-      <a:schemeClr val="dk1">
-        <a:lumMod val="75000"/>
-        <a:lumOff val="25000"/>
-      </a:schemeClr>
-    </cs:fontRef>
-    <cs:defRPr sz="1197" b="1" kern="1200"/>
-  </cs:axisTitle>
-  <cs:categoryAxis>
-    <cs:lnRef idx="0"/>
-    <cs:fillRef idx="0"/>
-    <cs:effectRef idx="0"/>
-    <cs:fontRef idx="minor">
-      <a:schemeClr val="dk1">
-        <a:lumMod val="75000"/>
-        <a:lumOff val="25000"/>
-      </a:schemeClr>
-    </cs:fontRef>
-    <cs:spPr>
-      <a:ln w="19050" cap="flat" cmpd="sng" algn="ctr">
-        <a:solidFill>
-          <a:schemeClr val="dk1">
-            <a:lumMod val="75000"/>
-            <a:lumOff val="25000"/>
-          </a:schemeClr>
-        </a:solidFill>
-        <a:round/>
-      </a:ln>
-    </cs:spPr>
-    <cs:defRPr sz="1197" kern="1200" cap="all" baseline="0"/>
-  </cs:categoryAxis>
-  <cs:chartArea>
-    <cs:lnRef idx="0"/>
-    <cs:fillRef idx="0"/>
-    <cs:effectRef idx="0"/>
-    <cs:fontRef idx="minor">
-      <a:schemeClr val="dk1"/>
-    </cs:fontRef>
-    <cs:spPr>
-      <a:gradFill flip="none" rotWithShape="1">
-        <a:gsLst>
-          <a:gs pos="0">
-            <a:schemeClr val="lt1"/>
-          </a:gs>
-          <a:gs pos="39000">
-            <a:schemeClr val="lt1"/>
-          </a:gs>
-          <a:gs pos="100000">
-            <a:schemeClr val="lt1">
-              <a:lumMod val="75000"/>
-            </a:schemeClr>
-          </a:gs>
-        </a:gsLst>
-        <a:path path="circle">
-          <a:fillToRect l="50000" t="-80000" r="50000" b="180000"/>
-        </a:path>
-        <a:tileRect/>
-      </a:gradFill>
-      <a:ln w="9525" cap="flat" cmpd="sng" algn="ctr">
-        <a:solidFill>
-          <a:schemeClr val="dk1">
-            <a:lumMod val="25000"/>
-            <a:lumOff val="75000"/>
-          </a:schemeClr>
-        </a:solidFill>
-        <a:round/>
-      </a:ln>
-    </cs:spPr>
-    <cs:defRPr sz="1197" kern="1200"/>
-  </cs:chartArea>
-  <cs:dataLabel>
-    <cs:lnRef idx="0"/>
-    <cs:fillRef idx="0"/>
-    <cs:effectRef idx="0"/>
-    <cs:fontRef idx="minor">
-      <a:schemeClr val="lt1"/>
-    </cs:fontRef>
-    <cs:spPr>
-      <a:pattFill prst="pct75">
-        <a:fgClr>
-          <a:schemeClr val="dk1">
-            <a:lumMod val="75000"/>
-            <a:lumOff val="25000"/>
-          </a:schemeClr>
-        </a:fgClr>
-        <a:bgClr>
-          <a:schemeClr val="dk1">
-            <a:lumMod val="65000"/>
-            <a:lumOff val="35000"/>
-          </a:schemeClr>
-        </a:bgClr>
-      </a:pattFill>
-      <a:effectLst>
-        <a:outerShdw blurRad="50800" dist="38100" dir="2700000" algn="tl" rotWithShape="0">
-          <a:prstClr val="black">
-            <a:alpha val="40000"/>
-          </a:prstClr>
-        </a:outerShdw>
-      </a:effectLst>
-    </cs:spPr>
-    <cs:defRPr sz="1330" b="1" i="0" u="none" strike="noStrike" kern="1200" baseline="0"/>
-  </cs:dataLabel>
-  <cs:dataLabelCallout>
-    <cs:lnRef idx="0"/>
-    <cs:fillRef idx="0"/>
-    <cs:effectRef idx="0"/>
-    <cs:fontRef idx="minor">
-      <a:schemeClr val="lt1"/>
-    </cs:fontRef>
-    <cs:spPr>
-      <a:pattFill prst="pct75">
-        <a:fgClr>
-          <a:schemeClr val="dk1">
-            <a:lumMod val="75000"/>
-            <a:lumOff val="25000"/>
-          </a:schemeClr>
-        </a:fgClr>
-        <a:bgClr>
-          <a:schemeClr val="dk1">
-            <a:lumMod val="65000"/>
-            <a:lumOff val="35000"/>
-          </a:schemeClr>
-        </a:bgClr>
-      </a:pattFill>
-      <a:effectLst>
-        <a:outerShdw blurRad="50800" dist="38100" dir="2700000" algn="tl" rotWithShape="0">
-          <a:prstClr val="black">
-            <a:alpha val="40000"/>
-          </a:prstClr>
-        </a:outerShdw>
-      </a:effectLst>
-    </cs:spPr>
-    <cs:defRPr sz="1330" b="1" i="0" u="none" strike="noStrike" kern="1200" baseline="0"/>
-    <cs:bodyPr rot="0" spcFirstLastPara="1" vertOverflow="clip" horzOverflow="clip" vert="horz" wrap="square" lIns="36576" tIns="18288" rIns="36576" bIns="18288" anchor="ctr" anchorCtr="1">
-      <a:spAutoFit/>
-    </cs:bodyPr>
-  </cs:dataLabelCallout>
-  <cs:dataPoint>
-    <cs:lnRef idx="0"/>
-    <cs:fillRef idx="0">
-      <cs:styleClr val="auto"/>
-    </cs:fillRef>
-    <cs:effectRef idx="0"/>
-    <cs:fontRef idx="minor">
-      <a:schemeClr val="dk1"/>
-    </cs:fontRef>
-    <cs:spPr>
-      <a:solidFill>
-        <a:schemeClr val="phClr"/>
-      </a:solidFill>
-      <a:effectLst>
-        <a:outerShdw blurRad="254000" sx="102000" sy="102000" algn="ctr" rotWithShape="0">
-          <a:prstClr val="black">
-            <a:alpha val="20000"/>
-          </a:prstClr>
-        </a:outerShdw>
-      </a:effectLst>
-    </cs:spPr>
-  </cs:dataPoint>
-  <cs:dataPoint3D>
-    <cs:lnRef idx="0"/>
-    <cs:fillRef idx="0">
-      <cs:styleClr val="auto"/>
-    </cs:fillRef>
-    <cs:effectRef idx="0"/>
-    <cs:fontRef idx="minor">
-      <a:schemeClr val="dk1"/>
-    </cs:fontRef>
-    <cs:spPr>
-      <a:solidFill>
-        <a:schemeClr val="phClr"/>
-      </a:solidFill>
-      <a:effectLst>
-        <a:outerShdw blurRad="254000" sx="102000" sy="102000" algn="ctr" rotWithShape="0">
-          <a:prstClr val="black">
-            <a:alpha val="20000"/>
-          </a:prstClr>
-        </a:outerShdw>
-      </a:effectLst>
-    </cs:spPr>
-  </cs:dataPoint3D>
-  <cs:dataPointLine>
-    <cs:lnRef idx="0">
-      <cs:styleClr val="auto"/>
-    </cs:lnRef>
-    <cs:fillRef idx="0"/>
-    <cs:effectRef idx="0"/>
-    <cs:fontRef idx="minor">
-      <a:schemeClr val="dk1"/>
-    </cs:fontRef>
-    <cs:spPr>
-      <a:ln w="31750" cap="rnd">
-        <a:solidFill>
-          <a:schemeClr val="phClr">
-            <a:alpha val="85000"/>
-          </a:schemeClr>
-        </a:solidFill>
-        <a:round/>
-      </a:ln>
-    </cs:spPr>
-  </cs:dataPointLine>
-  <cs:dataPointMarker>
-    <cs:lnRef idx="0"/>
-    <cs:fillRef idx="0">
-      <cs:styleClr val="auto"/>
-    </cs:fillRef>
-    <cs:effectRef idx="0"/>
-    <cs:fontRef idx="minor">
-      <a:schemeClr val="dk1"/>
-    </cs:fontRef>
-    <cs:spPr>
-      <a:solidFill>
-        <a:schemeClr val="phClr">
-          <a:alpha val="85000"/>
-        </a:schemeClr>
-      </a:solidFill>
-    </cs:spPr>
-  </cs:dataPointMarker>
-  <cs:dataPointMarkerLayout symbol="circle" size="6"/>
-  <cs:dataPointWireframe>
-    <cs:lnRef idx="0">
-      <cs:styleClr val="auto"/>
-    </cs:lnRef>
-    <cs:fillRef idx="0"/>
-    <cs:effectRef idx="0"/>
-    <cs:fontRef idx="minor">
-      <a:schemeClr val="dk1"/>
-    </cs:fontRef>
-    <cs:spPr>
-      <a:ln w="9525" cap="rnd">
-        <a:solidFill>
-          <a:schemeClr val="phClr"/>
-        </a:solidFill>
-        <a:round/>
-      </a:ln>
-    </cs:spPr>
-  </cs:dataPointWireframe>
-  <cs:dataTable>
-    <cs:lnRef idx="0"/>
-    <cs:fillRef idx="0"/>
-    <cs:effectRef idx="0"/>
-    <cs:fontRef idx="minor">
-      <a:schemeClr val="dk1">
-        <a:lumMod val="75000"/>
-        <a:lumOff val="25000"/>
-      </a:schemeClr>
-    </cs:fontRef>
-    <cs:spPr>
-      <a:ln w="9525">
-        <a:solidFill>
-          <a:schemeClr val="dk1">
-            <a:lumMod val="35000"/>
-            <a:lumOff val="65000"/>
-          </a:schemeClr>
-        </a:solidFill>
-      </a:ln>
-    </cs:spPr>
-    <cs:defRPr sz="1197" kern="1200"/>
-  </cs:dataTable>
-  <cs:downBar>
-    <cs:lnRef idx="0"/>
-    <cs:fillRef idx="0"/>
-    <cs:effectRef idx="0"/>
-    <cs:fontRef idx="minor">
-      <a:schemeClr val="dk1"/>
-    </cs:fontRef>
-    <cs:spPr>
-      <a:solidFill>
-        <a:schemeClr val="dk1">
-          <a:lumMod val="50000"/>
-          <a:lumOff val="50000"/>
-        </a:schemeClr>
-      </a:solidFill>
-      <a:ln w="9525">
-        <a:solidFill>
-          <a:schemeClr val="dk1">
-            <a:lumMod val="65000"/>
-            <a:lumOff val="35000"/>
-          </a:schemeClr>
-        </a:solidFill>
-      </a:ln>
-    </cs:spPr>
-  </cs:downBar>
-  <cs:dropLine>
-    <cs:lnRef idx="0"/>
-    <cs:fillRef idx="0"/>
-    <cs:effectRef idx="0"/>
-    <cs:fontRef idx="minor">
-      <a:schemeClr val="dk1"/>
-    </cs:fontRef>
-    <cs:spPr>
-      <a:ln w="9525">
-        <a:solidFill>
-          <a:schemeClr val="dk1">
-            <a:lumMod val="35000"/>
-            <a:lumOff val="65000"/>
-          </a:schemeClr>
-        </a:solidFill>
-        <a:prstDash val="dash"/>
-      </a:ln>
-    </cs:spPr>
-  </cs:dropLine>
-  <cs:errorBar>
-    <cs:lnRef idx="0"/>
-    <cs:fillRef idx="0"/>
-    <cs:effectRef idx="0"/>
-    <cs:fontRef idx="minor">
-      <a:schemeClr val="dk1"/>
-    </cs:fontRef>
-    <cs:spPr>
-      <a:ln w="9525">
-        <a:solidFill>
-          <a:schemeClr val="dk1">
-            <a:lumMod val="65000"/>
-            <a:lumOff val="35000"/>
-          </a:schemeClr>
-        </a:solidFill>
-        <a:round/>
-      </a:ln>
-    </cs:spPr>
-  </cs:errorBar>
-  <cs:floor>
-    <cs:lnRef idx="0"/>
-    <cs:fillRef idx="0"/>
-    <cs:effectRef idx="0"/>
-    <cs:fontRef idx="minor">
-      <a:schemeClr val="dk1"/>
-    </cs:fontRef>
-  </cs:floor>
-  <cs:gridlineMajor>
-    <cs:lnRef idx="0"/>
-    <cs:fillRef idx="0"/>
-    <cs:effectRef idx="0"/>
-    <cs:fontRef idx="minor">
-      <a:schemeClr val="dk1"/>
-    </cs:fontRef>
-    <cs:spPr>
-      <a:ln w="9525" cap="flat" cmpd="sng" algn="ctr">
-        <a:gradFill>
-          <a:gsLst>
-            <a:gs pos="100000">
-              <a:schemeClr val="dk1">
-                <a:lumMod val="95000"/>
-                <a:lumOff val="5000"/>
-                <a:alpha val="42000"/>
-              </a:schemeClr>
-            </a:gs>
-            <a:gs pos="0">
-              <a:schemeClr val="lt1">
-                <a:lumMod val="75000"/>
-                <a:alpha val="36000"/>
-              </a:schemeClr>
-            </a:gs>
-          </a:gsLst>
-          <a:lin ang="5400000" scaled="0"/>
-        </a:gradFill>
-        <a:round/>
-      </a:ln>
-    </cs:spPr>
-  </cs:gridlineMajor>
-  <cs:gridlineMinor>
-    <cs:lnRef idx="0"/>
-    <cs:fillRef idx="0"/>
-    <cs:effectRef idx="0"/>
-    <cs:fontRef idx="minor">
-      <a:schemeClr val="dk1"/>
-    </cs:fontRef>
-    <cs:spPr>
-      <a:ln>
-        <a:gradFill>
-          <a:gsLst>
-            <a:gs pos="100000">
-              <a:schemeClr val="dk1">
-                <a:lumMod val="95000"/>
-                <a:lumOff val="5000"/>
-                <a:alpha val="42000"/>
-              </a:schemeClr>
-            </a:gs>
-            <a:gs pos="0">
-              <a:schemeClr val="lt1">
-                <a:lumMod val="75000"/>
-                <a:alpha val="36000"/>
-              </a:schemeClr>
-            </a:gs>
-          </a:gsLst>
-          <a:lin ang="5400000" scaled="0"/>
-        </a:gradFill>
-      </a:ln>
-    </cs:spPr>
-  </cs:gridlineMinor>
-  <cs:hiLoLine>
-    <cs:lnRef idx="0"/>
-    <cs:fillRef idx="0"/>
-    <cs:effectRef idx="0"/>
-    <cs:fontRef idx="minor">
-      <a:schemeClr val="dk1"/>
-    </cs:fontRef>
-    <cs:spPr>
-      <a:ln w="9525">
-        <a:solidFill>
-          <a:schemeClr val="dk1">
-            <a:lumMod val="35000"/>
-            <a:lumOff val="65000"/>
-          </a:schemeClr>
-        </a:solidFill>
-        <a:prstDash val="dash"/>
-      </a:ln>
-    </cs:spPr>
-  </cs:hiLoLine>
-  <cs:leaderLine>
-    <cs:lnRef idx="0"/>
-    <cs:fillRef idx="0"/>
-    <cs:effectRef idx="0"/>
-    <cs:fontRef idx="minor">
-      <a:schemeClr val="dk1"/>
-    </cs:fontRef>
-    <cs:spPr>
-      <a:ln w="9525">
-        <a:solidFill>
-          <a:schemeClr val="dk1">
-            <a:lumMod val="50000"/>
-            <a:lumOff val="50000"/>
-          </a:schemeClr>
-        </a:solidFill>
-      </a:ln>
-    </cs:spPr>
-  </cs:leaderLine>
-  <cs:legend>
-    <cs:lnRef idx="0"/>
-    <cs:fillRef idx="0"/>
-    <cs:effectRef idx="0"/>
-    <cs:fontRef idx="minor">
-      <a:schemeClr val="dk1">
-        <a:lumMod val="75000"/>
-        <a:lumOff val="25000"/>
-      </a:schemeClr>
-    </cs:fontRef>
-    <cs:spPr>
-      <a:solidFill>
-        <a:schemeClr val="lt1">
-          <a:lumMod val="95000"/>
-          <a:alpha val="39000"/>
-        </a:schemeClr>
-      </a:solidFill>
-    </cs:spPr>
-    <cs:defRPr sz="1197" kern="1200"/>
-  </cs:legend>
-  <cs:plotArea>
-    <cs:lnRef idx="0"/>
-    <cs:fillRef idx="0"/>
-    <cs:effectRef idx="0"/>
-    <cs:fontRef idx="minor">
-      <a:schemeClr val="dk1"/>
-    </cs:fontRef>
-  </cs:plotArea>
-  <cs:plotArea3D>
-    <cs:lnRef idx="0"/>
-    <cs:fillRef idx="0"/>
-    <cs:effectRef idx="0"/>
-    <cs:fontRef idx="minor">
-      <a:schemeClr val="dk1"/>
-    </cs:fontRef>
-  </cs:plotArea3D>
-  <cs:seriesAxis>
-    <cs:lnRef idx="0"/>
-    <cs:fillRef idx="0"/>
-    <cs:effectRef idx="0"/>
-    <cs:fontRef idx="minor">
-      <a:schemeClr val="dk1">
-        <a:lumMod val="75000"/>
-        <a:lumOff val="25000"/>
-      </a:schemeClr>
-    </cs:fontRef>
-    <cs:spPr>
-      <a:ln w="31750" cap="flat" cmpd="sng" algn="ctr">
-        <a:solidFill>
-          <a:schemeClr val="dk1">
-            <a:lumMod val="75000"/>
-            <a:lumOff val="25000"/>
-          </a:schemeClr>
-        </a:solidFill>
-        <a:round/>
-      </a:ln>
-    </cs:spPr>
-    <cs:defRPr sz="1197" kern="1200"/>
-  </cs:seriesAxis>
-  <cs:seriesLine>
-    <cs:lnRef idx="0"/>
-    <cs:fillRef idx="0"/>
-    <cs:effectRef idx="0"/>
-    <cs:fontRef idx="minor">
-      <a:schemeClr val="dk1"/>
-    </cs:fontRef>
-    <cs:spPr>
-      <a:ln w="9525">
-        <a:solidFill>
-          <a:schemeClr val="dk1">
-            <a:lumMod val="50000"/>
-            <a:lumOff val="50000"/>
-          </a:schemeClr>
-        </a:solidFill>
-        <a:round/>
-      </a:ln>
-    </cs:spPr>
-  </cs:seriesLine>
-  <cs:title>
-    <cs:lnRef idx="0"/>
-    <cs:fillRef idx="0"/>
-    <cs:effectRef idx="0"/>
-    <cs:fontRef idx="minor">
-      <a:schemeClr val="dk1">
-        <a:lumMod val="75000"/>
-        <a:lumOff val="25000"/>
-      </a:schemeClr>
-    </cs:fontRef>
-    <cs:defRPr sz="2200" b="1" kern="1200" baseline="0"/>
-  </cs:title>
-  <cs:trendline>
-    <cs:lnRef idx="0">
-      <cs:styleClr val="auto"/>
-    </cs:lnRef>
-    <cs:fillRef idx="0"/>
-    <cs:effectRef idx="0"/>
-    <cs:fontRef idx="minor">
-      <a:schemeClr val="dk1"/>
-    </cs:fontRef>
-    <cs:spPr>
-      <a:ln w="19050" cap="rnd">
-        <a:solidFill>
-          <a:schemeClr val="phClr"/>
-        </a:solidFill>
-      </a:ln>
-    </cs:spPr>
-  </cs:trendline>
-  <cs:trendlineLabel>
-    <cs:lnRef idx="0"/>
-    <cs:fillRef idx="0"/>
-    <cs:effectRef idx="0"/>
-    <cs:fontRef idx="minor">
-      <a:schemeClr val="dk1">
-        <a:lumMod val="75000"/>
-        <a:lumOff val="25000"/>
-      </a:schemeClr>
-    </cs:fontRef>
-    <cs:defRPr sz="1197" kern="1200"/>
-  </cs:trendlineLabel>
-  <cs:upBar>
-    <cs:lnRef idx="0"/>
-    <cs:fillRef idx="0"/>
-    <cs:effectRef idx="0"/>
-    <cs:fontRef idx="minor">
-      <a:schemeClr val="dk1"/>
-    </cs:fontRef>
-    <cs:spPr>
-      <a:solidFill>
-        <a:schemeClr val="lt1"/>
-      </a:solidFill>
-      <a:ln w="9525">
-        <a:solidFill>
-          <a:schemeClr val="dk1">
-            <a:lumMod val="65000"/>
-            <a:lumOff val="35000"/>
-          </a:schemeClr>
-        </a:solidFill>
-      </a:ln>
-    </cs:spPr>
-  </cs:upBar>
-  <cs:valueAxis>
-    <cs:lnRef idx="0"/>
-    <cs:fillRef idx="0"/>
-    <cs:effectRef idx="0"/>
-    <cs:fontRef idx="minor">
-      <a:schemeClr val="dk1">
-        <a:lumMod val="75000"/>
-        <a:lumOff val="25000"/>
-      </a:schemeClr>
-    </cs:fontRef>
-    <cs:spPr>
-      <a:ln>
-        <a:noFill/>
-      </a:ln>
-    </cs:spPr>
-    <cs:defRPr sz="1197" kern="1200"/>
-  </cs:valueAxis>
-  <cs:wall>
-    <cs:lnRef idx="0"/>
-    <cs:fillRef idx="0"/>
-    <cs:effectRef idx="0"/>
-    <cs:fontRef idx="minor">
-      <a:schemeClr val="dk1"/>
-    </cs:fontRef>
-  </cs:wall>
-</cs:chartStyle>
-</file>
-
 <file path=ppt/diagrams/colors1.xml><?xml version="1.0" encoding="utf-8"?>
 <dgm:colorsDef xmlns:dgm="http://schemas.openxmlformats.org/drawingml/2006/diagram" xmlns:a="http://schemas.openxmlformats.org/drawingml/2006/main" uniqueId="urn:microsoft.com/office/officeart/2005/8/colors/colorful5">
   <dgm:title val=""/>
@@ -10547,7 +9548,15 @@
         <a:p>
           <a:r>
             <a:rPr lang="en-US" dirty="0" smtClean="0"/>
-            <a:t>1) Unit-Testing C#</a:t>
+            <a:t>1) </a:t>
+          </a:r>
+          <a:r>
+            <a:rPr lang="en-US" dirty="0" smtClean="0"/>
+            <a:t>Unit Testing </a:t>
+          </a:r>
+          <a:r>
+            <a:rPr lang="en-US" dirty="0" smtClean="0"/>
+            <a:t>C#</a:t>
           </a:r>
           <a:endParaRPr lang="en-US" dirty="0"/>
         </a:p>
@@ -10584,7 +9593,15 @@
         <a:p>
           <a:r>
             <a:rPr lang="en-US" dirty="0" smtClean="0"/>
-            <a:t>2) Unit-Testing JavaScript</a:t>
+            <a:t>2) </a:t>
+          </a:r>
+          <a:r>
+            <a:rPr lang="en-US" dirty="0" smtClean="0"/>
+            <a:t>Unit Testing </a:t>
+          </a:r>
+          <a:r>
+            <a:rPr lang="en-US" dirty="0" smtClean="0"/>
+            <a:t>JavaScript</a:t>
           </a:r>
           <a:endParaRPr lang="en-US" dirty="0"/>
         </a:p>
@@ -11584,8 +10601,8 @@
   </dgm:ptLst>
   <dgm:cxnLst>
     <dgm:cxn modelId="{18915352-5654-4963-BC3F-12BBE5995367}" srcId="{C4E8EAC8-05DC-480A-ACFE-3180ACAC8F4B}" destId="{4E0DF299-9048-4B45-8B91-7A748F1ECF6F}" srcOrd="0" destOrd="0" parTransId="{C3459DDC-5EEA-466F-90B1-CAFAD420BF11}" sibTransId="{DB1B21B4-75CF-45FA-A4B4-05E92A1DB517}"/>
+    <dgm:cxn modelId="{8CA4F463-02B8-42B3-B382-8DD17D94E61C}" type="presOf" srcId="{1237457D-E389-40B3-9058-69171BF06F59}" destId="{D34F0FD4-C6C3-4EBC-808E-1BAC02D06D22}" srcOrd="0" destOrd="0" presId="urn:microsoft.com/office/officeart/2005/8/layout/StepDownProcess"/>
     <dgm:cxn modelId="{5A7EF79E-D6F3-4910-BF66-BF8B2859F89E}" srcId="{1237457D-E389-40B3-9058-69171BF06F59}" destId="{C669BAC8-8F8D-4493-90C6-9673922F6267}" srcOrd="1" destOrd="0" parTransId="{D252B7BB-466D-4B86-99B8-1E5056CADAA0}" sibTransId="{49510615-12EC-41B8-8F86-EF9DA7EBC563}"/>
-    <dgm:cxn modelId="{8CA4F463-02B8-42B3-B382-8DD17D94E61C}" type="presOf" srcId="{1237457D-E389-40B3-9058-69171BF06F59}" destId="{D34F0FD4-C6C3-4EBC-808E-1BAC02D06D22}" srcOrd="0" destOrd="0" presId="urn:microsoft.com/office/officeart/2005/8/layout/StepDownProcess"/>
     <dgm:cxn modelId="{B6436516-368B-422D-B5D5-9E140F7FA3B0}" type="presOf" srcId="{C4E8EAC8-05DC-480A-ACFE-3180ACAC8F4B}" destId="{3C7760E3-AF2F-47C2-A961-814CF9220ABE}" srcOrd="0" destOrd="0" presId="urn:microsoft.com/office/officeart/2005/8/layout/StepDownProcess"/>
     <dgm:cxn modelId="{BCBE9115-295B-4A0C-B8F6-7D5A78FF9E39}" srcId="{1237457D-E389-40B3-9058-69171BF06F59}" destId="{C4E8EAC8-05DC-480A-ACFE-3180ACAC8F4B}" srcOrd="2" destOrd="0" parTransId="{7AF44B8E-B9AF-429F-837B-9FFABDF8F617}" sibTransId="{D1A7B0D3-2603-4230-A878-C1592E3C4E51}"/>
     <dgm:cxn modelId="{6CE3A383-CF57-4328-A59C-B5759E95AB4B}" srcId="{C669BAC8-8F8D-4493-90C6-9673922F6267}" destId="{5F1A18ED-467B-4E47-9C4E-3ADA93C3FB91}" srcOrd="0" destOrd="0" parTransId="{C748B044-65AE-4843-9EFE-781ACF781F12}" sibTransId="{D385A32D-2BF5-4CE5-872C-EB85B3D3289A}"/>
@@ -12043,21 +11060,21 @@
     </dgm:pt>
   </dgm:ptLst>
   <dgm:cxnLst>
+    <dgm:cxn modelId="{1DCD4A21-695E-4DB9-BF28-22A33E9111BF}" type="presOf" srcId="{5F1A18ED-467B-4E47-9C4E-3ADA93C3FB91}" destId="{0C033880-7762-40F5-A8ED-62F7C0DCF398}" srcOrd="0" destOrd="0" presId="urn:microsoft.com/office/officeart/2005/8/layout/StepDownProcess"/>
+    <dgm:cxn modelId="{18915352-5654-4963-BC3F-12BBE5995367}" srcId="{C4E8EAC8-05DC-480A-ACFE-3180ACAC8F4B}" destId="{4E0DF299-9048-4B45-8B91-7A748F1ECF6F}" srcOrd="0" destOrd="0" parTransId="{C3459DDC-5EEA-466F-90B1-CAFAD420BF11}" sibTransId="{DB1B21B4-75CF-45FA-A4B4-05E92A1DB517}"/>
+    <dgm:cxn modelId="{5A7EF79E-D6F3-4910-BF66-BF8B2859F89E}" srcId="{1237457D-E389-40B3-9058-69171BF06F59}" destId="{C669BAC8-8F8D-4493-90C6-9673922F6267}" srcOrd="1" destOrd="0" parTransId="{D252B7BB-466D-4B86-99B8-1E5056CADAA0}" sibTransId="{49510615-12EC-41B8-8F86-EF9DA7EBC563}"/>
+    <dgm:cxn modelId="{AB302DF2-EC4B-41B7-B643-8BD0D53E7EDB}" type="presOf" srcId="{126B325B-DFD8-4B96-9C11-DC051C6A1369}" destId="{E37FDA5F-885B-4885-8956-4F2E4C260DE9}" srcOrd="0" destOrd="0" presId="urn:microsoft.com/office/officeart/2005/8/layout/StepDownProcess"/>
+    <dgm:cxn modelId="{61FC6497-ACB6-4DEA-8E96-25A1DA528493}" type="presOf" srcId="{1237457D-E389-40B3-9058-69171BF06F59}" destId="{D34F0FD4-C6C3-4EBC-808E-1BAC02D06D22}" srcOrd="0" destOrd="0" presId="urn:microsoft.com/office/officeart/2005/8/layout/StepDownProcess"/>
+    <dgm:cxn modelId="{56AF1357-B5F2-4976-84A1-AF7F692B7912}" srcId="{C4E8EAC8-05DC-480A-ACFE-3180ACAC8F4B}" destId="{A7914B4B-0C4F-4EC5-9B37-772DC98C48BD}" srcOrd="1" destOrd="0" parTransId="{652F6775-5F58-48DF-A3F5-DBB0E452F81B}" sibTransId="{7D16156B-16DB-450B-B290-2001650F2FF9}"/>
+    <dgm:cxn modelId="{BCBE9115-295B-4A0C-B8F6-7D5A78FF9E39}" srcId="{1237457D-E389-40B3-9058-69171BF06F59}" destId="{C4E8EAC8-05DC-480A-ACFE-3180ACAC8F4B}" srcOrd="2" destOrd="0" parTransId="{7AF44B8E-B9AF-429F-837B-9FFABDF8F617}" sibTransId="{D1A7B0D3-2603-4230-A878-C1592E3C4E51}"/>
+    <dgm:cxn modelId="{6CE3A383-CF57-4328-A59C-B5759E95AB4B}" srcId="{C669BAC8-8F8D-4493-90C6-9673922F6267}" destId="{5F1A18ED-467B-4E47-9C4E-3ADA93C3FB91}" srcOrd="0" destOrd="0" parTransId="{C748B044-65AE-4843-9EFE-781ACF781F12}" sibTransId="{D385A32D-2BF5-4CE5-872C-EB85B3D3289A}"/>
+    <dgm:cxn modelId="{7F49D3B7-F62F-48DE-9ECD-CFC88198FDCC}" type="presOf" srcId="{C669BAC8-8F8D-4493-90C6-9673922F6267}" destId="{27A132C8-6D81-4A1A-9133-052BF15769E6}" srcOrd="0" destOrd="0" presId="urn:microsoft.com/office/officeart/2005/8/layout/StepDownProcess"/>
+    <dgm:cxn modelId="{82ED1016-0132-4AA2-9C64-DA800187D718}" type="presOf" srcId="{C4E8EAC8-05DC-480A-ACFE-3180ACAC8F4B}" destId="{3C7760E3-AF2F-47C2-A961-814CF9220ABE}" srcOrd="0" destOrd="0" presId="urn:microsoft.com/office/officeart/2005/8/layout/StepDownProcess"/>
     <dgm:cxn modelId="{87B0F6FE-7A93-42C9-A62C-BEA4140C3088}" type="presOf" srcId="{A7914B4B-0C4F-4EC5-9B37-772DC98C48BD}" destId="{3F4BEA25-D2CA-45C2-8F95-AB4B4F8969D1}" srcOrd="0" destOrd="1" presId="urn:microsoft.com/office/officeart/2005/8/layout/StepDownProcess"/>
+    <dgm:cxn modelId="{54661EE4-AD0A-4CB3-900F-A170C92BBB88}" type="presOf" srcId="{4E0DF299-9048-4B45-8B91-7A748F1ECF6F}" destId="{3F4BEA25-D2CA-45C2-8F95-AB4B4F8969D1}" srcOrd="0" destOrd="0" presId="urn:microsoft.com/office/officeart/2005/8/layout/StepDownProcess"/>
+    <dgm:cxn modelId="{E8D0467B-8219-4493-8179-C7601083C9DB}" type="presOf" srcId="{AF594F6E-E953-470B-9A05-3CD76B95BCA1}" destId="{0DA0FBC8-227B-464D-96D8-CC62231616B3}" srcOrd="0" destOrd="0" presId="urn:microsoft.com/office/officeart/2005/8/layout/StepDownProcess"/>
+    <dgm:cxn modelId="{5498E34F-F65D-4DFE-B2E7-92820C435CDC}" srcId="{AF594F6E-E953-470B-9A05-3CD76B95BCA1}" destId="{126B325B-DFD8-4B96-9C11-DC051C6A1369}" srcOrd="0" destOrd="0" parTransId="{73A3A2A1-0800-499D-A3D3-0FED05D777F7}" sibTransId="{C28D7BC1-CE7B-4F0F-A363-2D7D50F6F08D}"/>
     <dgm:cxn modelId="{D4DC29CF-1843-47B0-9A52-D53203B3F55A}" srcId="{1237457D-E389-40B3-9058-69171BF06F59}" destId="{AF594F6E-E953-470B-9A05-3CD76B95BCA1}" srcOrd="0" destOrd="0" parTransId="{5EA3D745-7789-4A08-985A-111724664A61}" sibTransId="{98C2A030-DB6F-4FB5-948A-05173DD7F217}"/>
-    <dgm:cxn modelId="{6CE3A383-CF57-4328-A59C-B5759E95AB4B}" srcId="{C669BAC8-8F8D-4493-90C6-9673922F6267}" destId="{5F1A18ED-467B-4E47-9C4E-3ADA93C3FB91}" srcOrd="0" destOrd="0" parTransId="{C748B044-65AE-4843-9EFE-781ACF781F12}" sibTransId="{D385A32D-2BF5-4CE5-872C-EB85B3D3289A}"/>
-    <dgm:cxn modelId="{E8D0467B-8219-4493-8179-C7601083C9DB}" type="presOf" srcId="{AF594F6E-E953-470B-9A05-3CD76B95BCA1}" destId="{0DA0FBC8-227B-464D-96D8-CC62231616B3}" srcOrd="0" destOrd="0" presId="urn:microsoft.com/office/officeart/2005/8/layout/StepDownProcess"/>
-    <dgm:cxn modelId="{AB302DF2-EC4B-41B7-B643-8BD0D53E7EDB}" type="presOf" srcId="{126B325B-DFD8-4B96-9C11-DC051C6A1369}" destId="{E37FDA5F-885B-4885-8956-4F2E4C260DE9}" srcOrd="0" destOrd="0" presId="urn:microsoft.com/office/officeart/2005/8/layout/StepDownProcess"/>
-    <dgm:cxn modelId="{BCBE9115-295B-4A0C-B8F6-7D5A78FF9E39}" srcId="{1237457D-E389-40B3-9058-69171BF06F59}" destId="{C4E8EAC8-05DC-480A-ACFE-3180ACAC8F4B}" srcOrd="2" destOrd="0" parTransId="{7AF44B8E-B9AF-429F-837B-9FFABDF8F617}" sibTransId="{D1A7B0D3-2603-4230-A878-C1592E3C4E51}"/>
-    <dgm:cxn modelId="{7F49D3B7-F62F-48DE-9ECD-CFC88198FDCC}" type="presOf" srcId="{C669BAC8-8F8D-4493-90C6-9673922F6267}" destId="{27A132C8-6D81-4A1A-9133-052BF15769E6}" srcOrd="0" destOrd="0" presId="urn:microsoft.com/office/officeart/2005/8/layout/StepDownProcess"/>
-    <dgm:cxn modelId="{1DCD4A21-695E-4DB9-BF28-22A33E9111BF}" type="presOf" srcId="{5F1A18ED-467B-4E47-9C4E-3ADA93C3FB91}" destId="{0C033880-7762-40F5-A8ED-62F7C0DCF398}" srcOrd="0" destOrd="0" presId="urn:microsoft.com/office/officeart/2005/8/layout/StepDownProcess"/>
-    <dgm:cxn modelId="{5A7EF79E-D6F3-4910-BF66-BF8B2859F89E}" srcId="{1237457D-E389-40B3-9058-69171BF06F59}" destId="{C669BAC8-8F8D-4493-90C6-9673922F6267}" srcOrd="1" destOrd="0" parTransId="{D252B7BB-466D-4B86-99B8-1E5056CADAA0}" sibTransId="{49510615-12EC-41B8-8F86-EF9DA7EBC563}"/>
-    <dgm:cxn modelId="{54661EE4-AD0A-4CB3-900F-A170C92BBB88}" type="presOf" srcId="{4E0DF299-9048-4B45-8B91-7A748F1ECF6F}" destId="{3F4BEA25-D2CA-45C2-8F95-AB4B4F8969D1}" srcOrd="0" destOrd="0" presId="urn:microsoft.com/office/officeart/2005/8/layout/StepDownProcess"/>
-    <dgm:cxn modelId="{82ED1016-0132-4AA2-9C64-DA800187D718}" type="presOf" srcId="{C4E8EAC8-05DC-480A-ACFE-3180ACAC8F4B}" destId="{3C7760E3-AF2F-47C2-A961-814CF9220ABE}" srcOrd="0" destOrd="0" presId="urn:microsoft.com/office/officeart/2005/8/layout/StepDownProcess"/>
-    <dgm:cxn modelId="{61FC6497-ACB6-4DEA-8E96-25A1DA528493}" type="presOf" srcId="{1237457D-E389-40B3-9058-69171BF06F59}" destId="{D34F0FD4-C6C3-4EBC-808E-1BAC02D06D22}" srcOrd="0" destOrd="0" presId="urn:microsoft.com/office/officeart/2005/8/layout/StepDownProcess"/>
-    <dgm:cxn modelId="{5498E34F-F65D-4DFE-B2E7-92820C435CDC}" srcId="{AF594F6E-E953-470B-9A05-3CD76B95BCA1}" destId="{126B325B-DFD8-4B96-9C11-DC051C6A1369}" srcOrd="0" destOrd="0" parTransId="{73A3A2A1-0800-499D-A3D3-0FED05D777F7}" sibTransId="{C28D7BC1-CE7B-4F0F-A363-2D7D50F6F08D}"/>
-    <dgm:cxn modelId="{18915352-5654-4963-BC3F-12BBE5995367}" srcId="{C4E8EAC8-05DC-480A-ACFE-3180ACAC8F4B}" destId="{4E0DF299-9048-4B45-8B91-7A748F1ECF6F}" srcOrd="0" destOrd="0" parTransId="{C3459DDC-5EEA-466F-90B1-CAFAD420BF11}" sibTransId="{DB1B21B4-75CF-45FA-A4B4-05E92A1DB517}"/>
-    <dgm:cxn modelId="{56AF1357-B5F2-4976-84A1-AF7F692B7912}" srcId="{C4E8EAC8-05DC-480A-ACFE-3180ACAC8F4B}" destId="{A7914B4B-0C4F-4EC5-9B37-772DC98C48BD}" srcOrd="1" destOrd="0" parTransId="{652F6775-5F58-48DF-A3F5-DBB0E452F81B}" sibTransId="{7D16156B-16DB-450B-B290-2001650F2FF9}"/>
     <dgm:cxn modelId="{D89F4331-4125-4543-B11D-D1B2947E1ACC}" type="presParOf" srcId="{D34F0FD4-C6C3-4EBC-808E-1BAC02D06D22}" destId="{2975745A-7D36-4007-A60F-8E405779EF75}" srcOrd="0" destOrd="0" presId="urn:microsoft.com/office/officeart/2005/8/layout/StepDownProcess"/>
     <dgm:cxn modelId="{C9FEA431-C5AB-4E95-AC34-9230C1D008E9}" type="presParOf" srcId="{2975745A-7D36-4007-A60F-8E405779EF75}" destId="{50E66ED8-FC86-414A-8E44-8EE06F674C37}" srcOrd="0" destOrd="0" presId="urn:microsoft.com/office/officeart/2005/8/layout/StepDownProcess"/>
     <dgm:cxn modelId="{BE5E5F62-E8F9-4F8E-BE50-476A7684C8F6}" type="presParOf" srcId="{2975745A-7D36-4007-A60F-8E405779EF75}" destId="{0DA0FBC8-227B-464D-96D8-CC62231616B3}" srcOrd="1" destOrd="0" presId="urn:microsoft.com/office/officeart/2005/8/layout/StepDownProcess"/>
@@ -12145,43 +11162,6 @@
         </a:p>
       </dgm:t>
     </dgm:pt>
-    <dgm:pt modelId="{23559814-199A-4669-8E5E-F18CE9B2C44D}">
-      <dgm:prSet/>
-      <dgm:spPr/>
-      <dgm:t>
-        <a:bodyPr/>
-        <a:lstStyle/>
-        <a:p>
-          <a:r>
-            <a:rPr lang="en-US" dirty="0" smtClean="0"/>
-            <a:t> </a:t>
-          </a:r>
-          <a:endParaRPr lang="en-US" dirty="0"/>
-        </a:p>
-      </dgm:t>
-    </dgm:pt>
-    <dgm:pt modelId="{F5D00008-0F7F-4461-9ACE-A38A3B7C192B}" type="parTrans" cxnId="{E9F4B743-99B4-4D0A-B2E5-70F731BD9675}">
-      <dgm:prSet/>
-      <dgm:spPr/>
-      <dgm:t>
-        <a:bodyPr/>
-        <a:lstStyle/>
-        <a:p>
-          <a:endParaRPr lang="en-US"/>
-        </a:p>
-      </dgm:t>
-    </dgm:pt>
-    <dgm:pt modelId="{C1018606-84FC-4EA4-AF6C-6CE8F24D4240}" type="sibTrans" cxnId="{E9F4B743-99B4-4D0A-B2E5-70F731BD9675}">
-      <dgm:prSet/>
-      <dgm:spPr/>
-      <dgm:t>
-        <a:bodyPr/>
-        <a:lstStyle/>
-        <a:p>
-          <a:endParaRPr lang="en-US"/>
-        </a:p>
-      </dgm:t>
-    </dgm:pt>
     <dgm:pt modelId="{D1FD6FBC-F4E3-49C3-9F1D-21D10045CB21}">
       <dgm:prSet/>
       <dgm:spPr/>
@@ -12334,6 +11314,150 @@
         </a:p>
       </dgm:t>
     </dgm:pt>
+    <dgm:pt modelId="{23559814-199A-4669-8E5E-F18CE9B2C44D}">
+      <dgm:prSet/>
+      <dgm:spPr/>
+      <dgm:t>
+        <a:bodyPr/>
+        <a:lstStyle/>
+        <a:p>
+          <a:r>
+            <a:rPr lang="en-US" dirty="0" smtClean="0"/>
+            <a:t> </a:t>
+          </a:r>
+          <a:endParaRPr lang="en-US" dirty="0"/>
+        </a:p>
+      </dgm:t>
+    </dgm:pt>
+    <dgm:pt modelId="{C1018606-84FC-4EA4-AF6C-6CE8F24D4240}" type="sibTrans" cxnId="{E9F4B743-99B4-4D0A-B2E5-70F731BD9675}">
+      <dgm:prSet/>
+      <dgm:spPr/>
+      <dgm:t>
+        <a:bodyPr/>
+        <a:lstStyle/>
+        <a:p>
+          <a:endParaRPr lang="en-US"/>
+        </a:p>
+      </dgm:t>
+    </dgm:pt>
+    <dgm:pt modelId="{F5D00008-0F7F-4461-9ACE-A38A3B7C192B}" type="parTrans" cxnId="{E9F4B743-99B4-4D0A-B2E5-70F731BD9675}">
+      <dgm:prSet/>
+      <dgm:spPr/>
+      <dgm:t>
+        <a:bodyPr/>
+        <a:lstStyle/>
+        <a:p>
+          <a:endParaRPr lang="en-US"/>
+        </a:p>
+      </dgm:t>
+    </dgm:pt>
+    <dgm:pt modelId="{CCB6682E-9CA7-4D07-85F6-3AFB5100A5F3}">
+      <dgm:prSet/>
+      <dgm:spPr/>
+      <dgm:t>
+        <a:bodyPr/>
+        <a:lstStyle/>
+        <a:p>
+          <a:r>
+            <a:rPr lang="en-US" dirty="0" smtClean="0"/>
+            <a:t>Come see me tomorrow!</a:t>
+          </a:r>
+          <a:endParaRPr lang="en-US" dirty="0"/>
+        </a:p>
+      </dgm:t>
+    </dgm:pt>
+    <dgm:pt modelId="{1D37D307-3483-4614-9B8C-6D4F7AC2C934}" type="parTrans" cxnId="{4863AB8B-0DCD-4A78-8783-BF3859874ECE}">
+      <dgm:prSet/>
+      <dgm:spPr/>
+      <dgm:t>
+        <a:bodyPr/>
+        <a:lstStyle/>
+        <a:p>
+          <a:endParaRPr lang="en-US"/>
+        </a:p>
+      </dgm:t>
+    </dgm:pt>
+    <dgm:pt modelId="{59DC6F73-06F2-4F06-B2C7-3A43055BC219}" type="sibTrans" cxnId="{4863AB8B-0DCD-4A78-8783-BF3859874ECE}">
+      <dgm:prSet/>
+      <dgm:spPr/>
+      <dgm:t>
+        <a:bodyPr/>
+        <a:lstStyle/>
+        <a:p>
+          <a:endParaRPr lang="en-US"/>
+        </a:p>
+      </dgm:t>
+    </dgm:pt>
+    <dgm:pt modelId="{9B7616AC-502B-44E8-A5AC-D1A99F362E1B}">
+      <dgm:prSet/>
+      <dgm:spPr/>
+      <dgm:t>
+        <a:bodyPr/>
+        <a:lstStyle/>
+        <a:p>
+          <a:r>
+            <a:rPr lang="en-US" dirty="0" smtClean="0"/>
+            <a:t>Last session of the day, learn about cloud-enabling this app!</a:t>
+          </a:r>
+          <a:endParaRPr lang="en-US" dirty="0"/>
+        </a:p>
+      </dgm:t>
+    </dgm:pt>
+    <dgm:pt modelId="{0F17DACA-6A25-4638-B5DB-55435FD1C399}" type="parTrans" cxnId="{1BD95993-F5E6-411E-B49E-086961C6DDBE}">
+      <dgm:prSet/>
+      <dgm:spPr/>
+      <dgm:t>
+        <a:bodyPr/>
+        <a:lstStyle/>
+        <a:p>
+          <a:endParaRPr lang="en-US"/>
+        </a:p>
+      </dgm:t>
+    </dgm:pt>
+    <dgm:pt modelId="{19CE5B93-C3C1-4EEC-A6BE-C644B6938A8E}" type="sibTrans" cxnId="{1BD95993-F5E6-411E-B49E-086961C6DDBE}">
+      <dgm:prSet/>
+      <dgm:spPr/>
+      <dgm:t>
+        <a:bodyPr/>
+        <a:lstStyle/>
+        <a:p>
+          <a:endParaRPr lang="en-US"/>
+        </a:p>
+      </dgm:t>
+    </dgm:pt>
+    <dgm:pt modelId="{C5479143-73B7-4378-8ED9-D21BAB8EFE04}">
+      <dgm:prSet/>
+      <dgm:spPr/>
+      <dgm:t>
+        <a:bodyPr/>
+        <a:lstStyle/>
+        <a:p>
+          <a:endParaRPr lang="en-US" dirty="0"/>
+        </a:p>
+      </dgm:t>
+    </dgm:pt>
+    <dgm:pt modelId="{F5B360CC-CDFD-4998-A4C6-D0DB76E10061}" type="parTrans" cxnId="{9783AC20-0208-4D4D-80A3-38642C227A47}">
+      <dgm:prSet/>
+      <dgm:spPr/>
+      <dgm:t>
+        <a:bodyPr/>
+        <a:lstStyle/>
+        <a:p>
+          <a:endParaRPr lang="en-US"/>
+        </a:p>
+      </dgm:t>
+    </dgm:pt>
+    <dgm:pt modelId="{00C1E5D1-2E0F-4C60-80B4-68E0A2AECED6}" type="sibTrans" cxnId="{9783AC20-0208-4D4D-80A3-38642C227A47}">
+      <dgm:prSet/>
+      <dgm:spPr/>
+      <dgm:t>
+        <a:bodyPr/>
+        <a:lstStyle/>
+        <a:p>
+          <a:endParaRPr lang="en-US"/>
+        </a:p>
+      </dgm:t>
+    </dgm:pt>
     <dgm:pt modelId="{F232CB17-EE66-4ED8-B470-9A83569A5914}" type="pres">
       <dgm:prSet presAssocID="{1237457D-E389-40B3-9058-69171BF06F59}" presName="linear" presStyleCnt="0">
         <dgm:presLayoutVars>
@@ -12351,8 +11475,12 @@
         </a:p>
       </dgm:t>
     </dgm:pt>
-    <dgm:pt modelId="{594A448C-71C0-42BC-A0B9-201961C6E0B2}" type="pres">
-      <dgm:prSet presAssocID="{74034C5D-FD09-49B4-9495-E4DE1EFAE407}" presName="parentLin" presStyleCnt="0"/>
+    <dgm:pt modelId="{70981F6B-869C-41BA-B54E-35A3E02A1D8B}" type="pres">
+      <dgm:prSet presAssocID="{CCB6682E-9CA7-4D07-85F6-3AFB5100A5F3}" presName="parentLin" presStyleCnt="0"/>
+      <dgm:spPr/>
+    </dgm:pt>
+    <dgm:pt modelId="{51E73D18-B0A1-44ED-8BC3-FAF175B97827}" type="pres">
+      <dgm:prSet presAssocID="{CCB6682E-9CA7-4D07-85F6-3AFB5100A5F3}" presName="parentLeftMargin" presStyleLbl="node1" presStyleIdx="0" presStyleCnt="4"/>
       <dgm:spPr/>
       <dgm:t>
         <a:bodyPr/>
@@ -12362,19 +11490,8 @@
         </a:p>
       </dgm:t>
     </dgm:pt>
-    <dgm:pt modelId="{F23FEB27-2B07-48D1-9CD3-383943D086CD}" type="pres">
-      <dgm:prSet presAssocID="{74034C5D-FD09-49B4-9495-E4DE1EFAE407}" presName="parentLeftMargin" presStyleLbl="node1" presStyleIdx="0" presStyleCnt="3"/>
-      <dgm:spPr/>
-      <dgm:t>
-        <a:bodyPr/>
-        <a:lstStyle/>
-        <a:p>
-          <a:endParaRPr lang="en-US"/>
-        </a:p>
-      </dgm:t>
-    </dgm:pt>
-    <dgm:pt modelId="{7F73A44A-03DB-4E80-A4AB-3739B1301FA1}" type="pres">
-      <dgm:prSet presAssocID="{74034C5D-FD09-49B4-9495-E4DE1EFAE407}" presName="parentText" presStyleLbl="node1" presStyleIdx="0" presStyleCnt="3">
+    <dgm:pt modelId="{D6250B22-1CBE-46C6-B070-A2EC8485F884}" type="pres">
+      <dgm:prSet presAssocID="{CCB6682E-9CA7-4D07-85F6-3AFB5100A5F3}" presName="parentText" presStyleLbl="node1" presStyleIdx="0" presStyleCnt="4">
         <dgm:presLayoutVars>
           <dgm:chMax val="0"/>
           <dgm:bulletEnabled val="1"/>
@@ -12389,19 +11506,12 @@
         </a:p>
       </dgm:t>
     </dgm:pt>
-    <dgm:pt modelId="{146CC6DC-25E3-4C9D-9410-C1F9304659DA}" type="pres">
-      <dgm:prSet presAssocID="{74034C5D-FD09-49B4-9495-E4DE1EFAE407}" presName="negativeSpace" presStyleCnt="0"/>
-      <dgm:spPr/>
-      <dgm:t>
-        <a:bodyPr/>
-        <a:lstStyle/>
-        <a:p>
-          <a:endParaRPr lang="en-US"/>
-        </a:p>
-      </dgm:t>
-    </dgm:pt>
-    <dgm:pt modelId="{11D599A4-777D-4F3D-B971-DAFAD4B6E3C1}" type="pres">
-      <dgm:prSet presAssocID="{74034C5D-FD09-49B4-9495-E4DE1EFAE407}" presName="childText" presStyleLbl="conFgAcc1" presStyleIdx="0" presStyleCnt="3">
+    <dgm:pt modelId="{8571996C-6D1E-4137-8FCB-AAE7F6C5B8A3}" type="pres">
+      <dgm:prSet presAssocID="{CCB6682E-9CA7-4D07-85F6-3AFB5100A5F3}" presName="negativeSpace" presStyleCnt="0"/>
+      <dgm:spPr/>
+    </dgm:pt>
+    <dgm:pt modelId="{FA34C827-657B-41A0-8607-AD9D85AFE689}" type="pres">
+      <dgm:prSet presAssocID="{CCB6682E-9CA7-4D07-85F6-3AFB5100A5F3}" presName="childText" presStyleLbl="conFgAcc1" presStyleIdx="0" presStyleCnt="4">
         <dgm:presLayoutVars>
           <dgm:bulletEnabled val="1"/>
         </dgm:presLayoutVars>
@@ -12415,8 +11525,12 @@
         </a:p>
       </dgm:t>
     </dgm:pt>
-    <dgm:pt modelId="{D98F0822-7D11-4D2C-B1B8-655F6B158B52}" type="pres">
-      <dgm:prSet presAssocID="{A2DF65A3-37CB-4B8A-889B-E102FDD50C36}" presName="spaceBetweenRectangles" presStyleCnt="0"/>
+    <dgm:pt modelId="{27172EAF-5923-4C3B-B7C8-45E72B810A32}" type="pres">
+      <dgm:prSet presAssocID="{59DC6F73-06F2-4F06-B2C7-3A43055BC219}" presName="spaceBetweenRectangles" presStyleCnt="0"/>
+      <dgm:spPr/>
+    </dgm:pt>
+    <dgm:pt modelId="{594A448C-71C0-42BC-A0B9-201961C6E0B2}" type="pres">
+      <dgm:prSet presAssocID="{74034C5D-FD09-49B4-9495-E4DE1EFAE407}" presName="parentLin" presStyleCnt="0"/>
       <dgm:spPr/>
       <dgm:t>
         <a:bodyPr/>
@@ -12426,8 +11540,8 @@
         </a:p>
       </dgm:t>
     </dgm:pt>
-    <dgm:pt modelId="{3FA36507-26CB-47F3-8C36-EBAD1AF0879F}" type="pres">
-      <dgm:prSet presAssocID="{D1FD6FBC-F4E3-49C3-9F1D-21D10045CB21}" presName="parentLin" presStyleCnt="0"/>
+    <dgm:pt modelId="{F23FEB27-2B07-48D1-9CD3-383943D086CD}" type="pres">
+      <dgm:prSet presAssocID="{74034C5D-FD09-49B4-9495-E4DE1EFAE407}" presName="parentLeftMargin" presStyleLbl="node1" presStyleIdx="0" presStyleCnt="4"/>
       <dgm:spPr/>
       <dgm:t>
         <a:bodyPr/>
@@ -12437,19 +11551,8 @@
         </a:p>
       </dgm:t>
     </dgm:pt>
-    <dgm:pt modelId="{0E7628B2-A958-487C-8E9D-56E276D248BF}" type="pres">
-      <dgm:prSet presAssocID="{D1FD6FBC-F4E3-49C3-9F1D-21D10045CB21}" presName="parentLeftMargin" presStyleLbl="node1" presStyleIdx="0" presStyleCnt="3"/>
-      <dgm:spPr/>
-      <dgm:t>
-        <a:bodyPr/>
-        <a:lstStyle/>
-        <a:p>
-          <a:endParaRPr lang="en-US"/>
-        </a:p>
-      </dgm:t>
-    </dgm:pt>
-    <dgm:pt modelId="{E8235700-DF44-4E79-8522-50BEBA8EC58A}" type="pres">
-      <dgm:prSet presAssocID="{D1FD6FBC-F4E3-49C3-9F1D-21D10045CB21}" presName="parentText" presStyleLbl="node1" presStyleIdx="1" presStyleCnt="3">
+    <dgm:pt modelId="{7F73A44A-03DB-4E80-A4AB-3739B1301FA1}" type="pres">
+      <dgm:prSet presAssocID="{74034C5D-FD09-49B4-9495-E4DE1EFAE407}" presName="parentText" presStyleLbl="node1" presStyleIdx="1" presStyleCnt="4">
         <dgm:presLayoutVars>
           <dgm:chMax val="0"/>
           <dgm:bulletEnabled val="1"/>
@@ -12464,8 +11567,8 @@
         </a:p>
       </dgm:t>
     </dgm:pt>
-    <dgm:pt modelId="{13BBE626-31BF-41D8-9422-C0F74CCE6271}" type="pres">
-      <dgm:prSet presAssocID="{D1FD6FBC-F4E3-49C3-9F1D-21D10045CB21}" presName="negativeSpace" presStyleCnt="0"/>
+    <dgm:pt modelId="{146CC6DC-25E3-4C9D-9410-C1F9304659DA}" type="pres">
+      <dgm:prSet presAssocID="{74034C5D-FD09-49B4-9495-E4DE1EFAE407}" presName="negativeSpace" presStyleCnt="0"/>
       <dgm:spPr/>
       <dgm:t>
         <a:bodyPr/>
@@ -12475,8 +11578,8 @@
         </a:p>
       </dgm:t>
     </dgm:pt>
-    <dgm:pt modelId="{CCE3C189-25EC-49C9-9B62-1074B733A15F}" type="pres">
-      <dgm:prSet presAssocID="{D1FD6FBC-F4E3-49C3-9F1D-21D10045CB21}" presName="childText" presStyleLbl="conFgAcc1" presStyleIdx="1" presStyleCnt="3">
+    <dgm:pt modelId="{11D599A4-777D-4F3D-B971-DAFAD4B6E3C1}" type="pres">
+      <dgm:prSet presAssocID="{74034C5D-FD09-49B4-9495-E4DE1EFAE407}" presName="childText" presStyleLbl="conFgAcc1" presStyleIdx="1" presStyleCnt="4">
         <dgm:presLayoutVars>
           <dgm:bulletEnabled val="1"/>
         </dgm:presLayoutVars>
@@ -12490,8 +11593,8 @@
         </a:p>
       </dgm:t>
     </dgm:pt>
-    <dgm:pt modelId="{7D2A62E7-4599-4E6C-9190-FC9FB1B05EC2}" type="pres">
-      <dgm:prSet presAssocID="{9350F81F-E8D8-4A1F-8BA9-9285E5FE02D0}" presName="spaceBetweenRectangles" presStyleCnt="0"/>
+    <dgm:pt modelId="{D98F0822-7D11-4D2C-B1B8-655F6B158B52}" type="pres">
+      <dgm:prSet presAssocID="{A2DF65A3-37CB-4B8A-889B-E102FDD50C36}" presName="spaceBetweenRectangles" presStyleCnt="0"/>
       <dgm:spPr/>
       <dgm:t>
         <a:bodyPr/>
@@ -12501,8 +11604,8 @@
         </a:p>
       </dgm:t>
     </dgm:pt>
-    <dgm:pt modelId="{A0180224-996C-41C7-A56A-A5A1576E823E}" type="pres">
-      <dgm:prSet presAssocID="{0F23B8B5-95F4-44E2-AEDA-8F064EDDAE30}" presName="parentLin" presStyleCnt="0"/>
+    <dgm:pt modelId="{3FA36507-26CB-47F3-8C36-EBAD1AF0879F}" type="pres">
+      <dgm:prSet presAssocID="{D1FD6FBC-F4E3-49C3-9F1D-21D10045CB21}" presName="parentLin" presStyleCnt="0"/>
       <dgm:spPr/>
       <dgm:t>
         <a:bodyPr/>
@@ -12512,8 +11615,8 @@
         </a:p>
       </dgm:t>
     </dgm:pt>
-    <dgm:pt modelId="{793CCAE7-66D5-44F6-B260-2B302FB16AF8}" type="pres">
-      <dgm:prSet presAssocID="{0F23B8B5-95F4-44E2-AEDA-8F064EDDAE30}" presName="parentLeftMargin" presStyleLbl="node1" presStyleIdx="1" presStyleCnt="3"/>
+    <dgm:pt modelId="{0E7628B2-A958-487C-8E9D-56E276D248BF}" type="pres">
+      <dgm:prSet presAssocID="{D1FD6FBC-F4E3-49C3-9F1D-21D10045CB21}" presName="parentLeftMargin" presStyleLbl="node1" presStyleIdx="1" presStyleCnt="4"/>
       <dgm:spPr/>
       <dgm:t>
         <a:bodyPr/>
@@ -12523,8 +11626,8 @@
         </a:p>
       </dgm:t>
     </dgm:pt>
-    <dgm:pt modelId="{242BEC13-8925-48C6-BA78-69940B9F3172}" type="pres">
-      <dgm:prSet presAssocID="{0F23B8B5-95F4-44E2-AEDA-8F064EDDAE30}" presName="parentText" presStyleLbl="node1" presStyleIdx="2" presStyleCnt="3">
+    <dgm:pt modelId="{E8235700-DF44-4E79-8522-50BEBA8EC58A}" type="pres">
+      <dgm:prSet presAssocID="{D1FD6FBC-F4E3-49C3-9F1D-21D10045CB21}" presName="parentText" presStyleLbl="node1" presStyleIdx="2" presStyleCnt="4">
         <dgm:presLayoutVars>
           <dgm:chMax val="0"/>
           <dgm:bulletEnabled val="1"/>
@@ -12539,8 +11642,8 @@
         </a:p>
       </dgm:t>
     </dgm:pt>
-    <dgm:pt modelId="{227F867E-D432-4D0E-B4E6-2E11ABA4A46F}" type="pres">
-      <dgm:prSet presAssocID="{0F23B8B5-95F4-44E2-AEDA-8F064EDDAE30}" presName="negativeSpace" presStyleCnt="0"/>
+    <dgm:pt modelId="{13BBE626-31BF-41D8-9422-C0F74CCE6271}" type="pres">
+      <dgm:prSet presAssocID="{D1FD6FBC-F4E3-49C3-9F1D-21D10045CB21}" presName="negativeSpace" presStyleCnt="0"/>
       <dgm:spPr/>
       <dgm:t>
         <a:bodyPr/>
@@ -12550,8 +11653,8 @@
         </a:p>
       </dgm:t>
     </dgm:pt>
-    <dgm:pt modelId="{85B36885-426C-4CDD-98BC-6CDB65DF444C}" type="pres">
-      <dgm:prSet presAssocID="{0F23B8B5-95F4-44E2-AEDA-8F064EDDAE30}" presName="childText" presStyleLbl="conFgAcc1" presStyleIdx="2" presStyleCnt="3">
+    <dgm:pt modelId="{CCE3C189-25EC-49C9-9B62-1074B733A15F}" type="pres">
+      <dgm:prSet presAssocID="{D1FD6FBC-F4E3-49C3-9F1D-21D10045CB21}" presName="childText" presStyleLbl="conFgAcc1" presStyleIdx="2" presStyleCnt="4">
         <dgm:presLayoutVars>
           <dgm:bulletEnabled val="1"/>
         </dgm:presLayoutVars>
@@ -12565,41 +11668,129 @@
         </a:p>
       </dgm:t>
     </dgm:pt>
+    <dgm:pt modelId="{7D2A62E7-4599-4E6C-9190-FC9FB1B05EC2}" type="pres">
+      <dgm:prSet presAssocID="{9350F81F-E8D8-4A1F-8BA9-9285E5FE02D0}" presName="spaceBetweenRectangles" presStyleCnt="0"/>
+      <dgm:spPr/>
+      <dgm:t>
+        <a:bodyPr/>
+        <a:lstStyle/>
+        <a:p>
+          <a:endParaRPr lang="en-US"/>
+        </a:p>
+      </dgm:t>
+    </dgm:pt>
+    <dgm:pt modelId="{A0180224-996C-41C7-A56A-A5A1576E823E}" type="pres">
+      <dgm:prSet presAssocID="{0F23B8B5-95F4-44E2-AEDA-8F064EDDAE30}" presName="parentLin" presStyleCnt="0"/>
+      <dgm:spPr/>
+      <dgm:t>
+        <a:bodyPr/>
+        <a:lstStyle/>
+        <a:p>
+          <a:endParaRPr lang="en-US"/>
+        </a:p>
+      </dgm:t>
+    </dgm:pt>
+    <dgm:pt modelId="{793CCAE7-66D5-44F6-B260-2B302FB16AF8}" type="pres">
+      <dgm:prSet presAssocID="{0F23B8B5-95F4-44E2-AEDA-8F064EDDAE30}" presName="parentLeftMargin" presStyleLbl="node1" presStyleIdx="2" presStyleCnt="4"/>
+      <dgm:spPr/>
+      <dgm:t>
+        <a:bodyPr/>
+        <a:lstStyle/>
+        <a:p>
+          <a:endParaRPr lang="en-US"/>
+        </a:p>
+      </dgm:t>
+    </dgm:pt>
+    <dgm:pt modelId="{242BEC13-8925-48C6-BA78-69940B9F3172}" type="pres">
+      <dgm:prSet presAssocID="{0F23B8B5-95F4-44E2-AEDA-8F064EDDAE30}" presName="parentText" presStyleLbl="node1" presStyleIdx="3" presStyleCnt="4">
+        <dgm:presLayoutVars>
+          <dgm:chMax val="0"/>
+          <dgm:bulletEnabled val="1"/>
+        </dgm:presLayoutVars>
+      </dgm:prSet>
+      <dgm:spPr/>
+      <dgm:t>
+        <a:bodyPr/>
+        <a:lstStyle/>
+        <a:p>
+          <a:endParaRPr lang="en-US"/>
+        </a:p>
+      </dgm:t>
+    </dgm:pt>
+    <dgm:pt modelId="{227F867E-D432-4D0E-B4E6-2E11ABA4A46F}" type="pres">
+      <dgm:prSet presAssocID="{0F23B8B5-95F4-44E2-AEDA-8F064EDDAE30}" presName="negativeSpace" presStyleCnt="0"/>
+      <dgm:spPr/>
+      <dgm:t>
+        <a:bodyPr/>
+        <a:lstStyle/>
+        <a:p>
+          <a:endParaRPr lang="en-US"/>
+        </a:p>
+      </dgm:t>
+    </dgm:pt>
+    <dgm:pt modelId="{85B36885-426C-4CDD-98BC-6CDB65DF444C}" type="pres">
+      <dgm:prSet presAssocID="{0F23B8B5-95F4-44E2-AEDA-8F064EDDAE30}" presName="childText" presStyleLbl="conFgAcc1" presStyleIdx="3" presStyleCnt="4">
+        <dgm:presLayoutVars>
+          <dgm:bulletEnabled val="1"/>
+        </dgm:presLayoutVars>
+      </dgm:prSet>
+      <dgm:spPr/>
+      <dgm:t>
+        <a:bodyPr/>
+        <a:lstStyle/>
+        <a:p>
+          <a:endParaRPr lang="en-US"/>
+        </a:p>
+      </dgm:t>
+    </dgm:pt>
   </dgm:ptLst>
   <dgm:cxnLst>
-    <dgm:cxn modelId="{3065E86D-A8D2-4776-9C4A-C6E71D80F8C5}" srcId="{1237457D-E389-40B3-9058-69171BF06F59}" destId="{74034C5D-FD09-49B4-9495-E4DE1EFAE407}" srcOrd="0" destOrd="0" parTransId="{EDA47FDF-E76C-45D0-8AFA-62BC4A5638C7}" sibTransId="{A2DF65A3-37CB-4B8A-889B-E102FDD50C36}"/>
+    <dgm:cxn modelId="{39BCBA85-C729-4EAD-B8B9-1DD868537C71}" type="presOf" srcId="{D1FD6FBC-F4E3-49C3-9F1D-21D10045CB21}" destId="{E8235700-DF44-4E79-8522-50BEBA8EC58A}" srcOrd="1" destOrd="0" presId="urn:microsoft.com/office/officeart/2005/8/layout/list1"/>
+    <dgm:cxn modelId="{1BD95993-F5E6-411E-B49E-086961C6DDBE}" srcId="{CCB6682E-9CA7-4D07-85F6-3AFB5100A5F3}" destId="{9B7616AC-502B-44E8-A5AC-D1A99F362E1B}" srcOrd="0" destOrd="0" parTransId="{0F17DACA-6A25-4638-B5DB-55435FD1C399}" sibTransId="{19CE5B93-C3C1-4EEC-A6BE-C644B6938A8E}"/>
+    <dgm:cxn modelId="{75A72B28-36C3-420B-8611-EC9106BDBBE3}" type="presOf" srcId="{74034C5D-FD09-49B4-9495-E4DE1EFAE407}" destId="{F23FEB27-2B07-48D1-9CD3-383943D086CD}" srcOrd="0" destOrd="0" presId="urn:microsoft.com/office/officeart/2005/8/layout/list1"/>
+    <dgm:cxn modelId="{28D2DCFA-D56D-4799-8284-0DAF131F4EF1}" srcId="{1237457D-E389-40B3-9058-69171BF06F59}" destId="{0F23B8B5-95F4-44E2-AEDA-8F064EDDAE30}" srcOrd="3" destOrd="0" parTransId="{E1DC146C-85F0-4C54-9A3C-E1CF21276EB2}" sibTransId="{4EBEC58A-CC51-4305-88F9-836A90595ABF}"/>
+    <dgm:cxn modelId="{A9F0A015-BDF6-464D-9077-CE46F7340F04}" type="presOf" srcId="{1237457D-E389-40B3-9058-69171BF06F59}" destId="{F232CB17-EE66-4ED8-B470-9A83569A5914}" srcOrd="0" destOrd="0" presId="urn:microsoft.com/office/officeart/2005/8/layout/list1"/>
+    <dgm:cxn modelId="{E9F4B743-99B4-4D0A-B2E5-70F731BD9675}" srcId="{74034C5D-FD09-49B4-9495-E4DE1EFAE407}" destId="{23559814-199A-4669-8E5E-F18CE9B2C44D}" srcOrd="0" destOrd="0" parTransId="{F5D00008-0F7F-4461-9ACE-A38A3B7C192B}" sibTransId="{C1018606-84FC-4EA4-AF6C-6CE8F24D4240}"/>
+    <dgm:cxn modelId="{0684C6DA-67AD-417F-8181-C76BDD28845B}" type="presOf" srcId="{CCB6682E-9CA7-4D07-85F6-3AFB5100A5F3}" destId="{51E73D18-B0A1-44ED-8BC3-FAF175B97827}" srcOrd="0" destOrd="0" presId="urn:microsoft.com/office/officeart/2005/8/layout/list1"/>
+    <dgm:cxn modelId="{7E290F33-A9D0-4EA2-9A7F-4ED23C1B3D83}" type="presOf" srcId="{90B52E4D-1B18-491C-B613-32646F65182F}" destId="{CCE3C189-25EC-49C9-9B62-1074B733A15F}" srcOrd="0" destOrd="0" presId="urn:microsoft.com/office/officeart/2005/8/layout/list1"/>
+    <dgm:cxn modelId="{C7F947F2-59FF-437E-B4FB-2E35646F4945}" type="presOf" srcId="{94B98A48-2A24-46D5-87D8-D8A26F1C4012}" destId="{85B36885-426C-4CDD-98BC-6CDB65DF444C}" srcOrd="0" destOrd="0" presId="urn:microsoft.com/office/officeart/2005/8/layout/list1"/>
+    <dgm:cxn modelId="{9783AC20-0208-4D4D-80A3-38642C227A47}" srcId="{74034C5D-FD09-49B4-9495-E4DE1EFAE407}" destId="{C5479143-73B7-4378-8ED9-D21BAB8EFE04}" srcOrd="1" destOrd="0" parTransId="{F5B360CC-CDFD-4998-A4C6-D0DB76E10061}" sibTransId="{00C1E5D1-2E0F-4C60-80B4-68E0A2AECED6}"/>
+    <dgm:cxn modelId="{4863AB8B-0DCD-4A78-8783-BF3859874ECE}" srcId="{1237457D-E389-40B3-9058-69171BF06F59}" destId="{CCB6682E-9CA7-4D07-85F6-3AFB5100A5F3}" srcOrd="0" destOrd="0" parTransId="{1D37D307-3483-4614-9B8C-6D4F7AC2C934}" sibTransId="{59DC6F73-06F2-4F06-B2C7-3A43055BC219}"/>
+    <dgm:cxn modelId="{3065E86D-A8D2-4776-9C4A-C6E71D80F8C5}" srcId="{1237457D-E389-40B3-9058-69171BF06F59}" destId="{74034C5D-FD09-49B4-9495-E4DE1EFAE407}" srcOrd="1" destOrd="0" parTransId="{EDA47FDF-E76C-45D0-8AFA-62BC4A5638C7}" sibTransId="{A2DF65A3-37CB-4B8A-889B-E102FDD50C36}"/>
+    <dgm:cxn modelId="{6481E57B-3AD1-4A13-9720-E40BF71374B6}" type="presOf" srcId="{23559814-199A-4669-8E5E-F18CE9B2C44D}" destId="{11D599A4-777D-4F3D-B971-DAFAD4B6E3C1}" srcOrd="0" destOrd="0" presId="urn:microsoft.com/office/officeart/2005/8/layout/list1"/>
+    <dgm:cxn modelId="{D59FFE90-DBCB-468F-8CD0-86CD0741B43A}" type="presOf" srcId="{CCB6682E-9CA7-4D07-85F6-3AFB5100A5F3}" destId="{D6250B22-1CBE-46C6-B070-A2EC8485F884}" srcOrd="1" destOrd="0" presId="urn:microsoft.com/office/officeart/2005/8/layout/list1"/>
+    <dgm:cxn modelId="{A58177A4-6E25-425C-96CF-6E5222087A0C}" srcId="{0F23B8B5-95F4-44E2-AEDA-8F064EDDAE30}" destId="{94B98A48-2A24-46D5-87D8-D8A26F1C4012}" srcOrd="0" destOrd="0" parTransId="{7626055F-F311-48C7-8CC7-52D3EAC793AD}" sibTransId="{5BFAAC4B-6D0D-4F70-8C39-553B5D2271E5}"/>
+    <dgm:cxn modelId="{4B4AAA61-02DC-4929-9E81-21D2B95A247D}" srcId="{1237457D-E389-40B3-9058-69171BF06F59}" destId="{D1FD6FBC-F4E3-49C3-9F1D-21D10045CB21}" srcOrd="2" destOrd="0" parTransId="{01C9C747-AEFD-4F4D-9ABD-935972411182}" sibTransId="{9350F81F-E8D8-4A1F-8BA9-9285E5FE02D0}"/>
+    <dgm:cxn modelId="{37EF9D2F-65BC-40B3-BE67-4BAA2C88B9EE}" srcId="{D1FD6FBC-F4E3-49C3-9F1D-21D10045CB21}" destId="{90B52E4D-1B18-491C-B613-32646F65182F}" srcOrd="0" destOrd="0" parTransId="{12A08FDC-F9B8-4BD0-B06B-387CCC11FEC9}" sibTransId="{6F9407AD-CA6D-4297-8545-511D1C02DC59}"/>
+    <dgm:cxn modelId="{A8805886-C2C2-49BA-8646-D66AF6946B03}" type="presOf" srcId="{0F23B8B5-95F4-44E2-AEDA-8F064EDDAE30}" destId="{242BEC13-8925-48C6-BA78-69940B9F3172}" srcOrd="1" destOrd="0" presId="urn:microsoft.com/office/officeart/2005/8/layout/list1"/>
     <dgm:cxn modelId="{76C476C0-3A5C-47A2-89F3-FB26C1AE73EF}" type="presOf" srcId="{74034C5D-FD09-49B4-9495-E4DE1EFAE407}" destId="{7F73A44A-03DB-4E80-A4AB-3739B1301FA1}" srcOrd="1" destOrd="0" presId="urn:microsoft.com/office/officeart/2005/8/layout/list1"/>
-    <dgm:cxn modelId="{4B4AAA61-02DC-4929-9E81-21D2B95A247D}" srcId="{1237457D-E389-40B3-9058-69171BF06F59}" destId="{D1FD6FBC-F4E3-49C3-9F1D-21D10045CB21}" srcOrd="1" destOrd="0" parTransId="{01C9C747-AEFD-4F4D-9ABD-935972411182}" sibTransId="{9350F81F-E8D8-4A1F-8BA9-9285E5FE02D0}"/>
-    <dgm:cxn modelId="{39BCBA85-C729-4EAD-B8B9-1DD868537C71}" type="presOf" srcId="{D1FD6FBC-F4E3-49C3-9F1D-21D10045CB21}" destId="{E8235700-DF44-4E79-8522-50BEBA8EC58A}" srcOrd="1" destOrd="0" presId="urn:microsoft.com/office/officeart/2005/8/layout/list1"/>
+    <dgm:cxn modelId="{78BDC9DD-8930-44E9-813D-2EA88834E11B}" type="presOf" srcId="{9B7616AC-502B-44E8-A5AC-D1A99F362E1B}" destId="{FA34C827-657B-41A0-8607-AD9D85AFE689}" srcOrd="0" destOrd="0" presId="urn:microsoft.com/office/officeart/2005/8/layout/list1"/>
+    <dgm:cxn modelId="{A1ECA493-F95F-4E39-8072-620ADE270428}" type="presOf" srcId="{D1FD6FBC-F4E3-49C3-9F1D-21D10045CB21}" destId="{0E7628B2-A958-487C-8E9D-56E276D248BF}" srcOrd="0" destOrd="0" presId="urn:microsoft.com/office/officeart/2005/8/layout/list1"/>
+    <dgm:cxn modelId="{0EC7B5F4-3470-4BED-91B5-5FEBE400688C}" type="presOf" srcId="{C5479143-73B7-4378-8ED9-D21BAB8EFE04}" destId="{11D599A4-777D-4F3D-B971-DAFAD4B6E3C1}" srcOrd="0" destOrd="1" presId="urn:microsoft.com/office/officeart/2005/8/layout/list1"/>
     <dgm:cxn modelId="{88DD4917-26C3-44F0-95CB-7798D6AD2653}" type="presOf" srcId="{0F23B8B5-95F4-44E2-AEDA-8F064EDDAE30}" destId="{793CCAE7-66D5-44F6-B260-2B302FB16AF8}" srcOrd="0" destOrd="0" presId="urn:microsoft.com/office/officeart/2005/8/layout/list1"/>
-    <dgm:cxn modelId="{E9F4B743-99B4-4D0A-B2E5-70F731BD9675}" srcId="{74034C5D-FD09-49B4-9495-E4DE1EFAE407}" destId="{23559814-199A-4669-8E5E-F18CE9B2C44D}" srcOrd="0" destOrd="0" parTransId="{F5D00008-0F7F-4461-9ACE-A38A3B7C192B}" sibTransId="{C1018606-84FC-4EA4-AF6C-6CE8F24D4240}"/>
-    <dgm:cxn modelId="{C7F947F2-59FF-437E-B4FB-2E35646F4945}" type="presOf" srcId="{94B98A48-2A24-46D5-87D8-D8A26F1C4012}" destId="{85B36885-426C-4CDD-98BC-6CDB65DF444C}" srcOrd="0" destOrd="0" presId="urn:microsoft.com/office/officeart/2005/8/layout/list1"/>
-    <dgm:cxn modelId="{A58177A4-6E25-425C-96CF-6E5222087A0C}" srcId="{0F23B8B5-95F4-44E2-AEDA-8F064EDDAE30}" destId="{94B98A48-2A24-46D5-87D8-D8A26F1C4012}" srcOrd="0" destOrd="0" parTransId="{7626055F-F311-48C7-8CC7-52D3EAC793AD}" sibTransId="{5BFAAC4B-6D0D-4F70-8C39-553B5D2271E5}"/>
-    <dgm:cxn modelId="{6481E57B-3AD1-4A13-9720-E40BF71374B6}" type="presOf" srcId="{23559814-199A-4669-8E5E-F18CE9B2C44D}" destId="{11D599A4-777D-4F3D-B971-DAFAD4B6E3C1}" srcOrd="0" destOrd="0" presId="urn:microsoft.com/office/officeart/2005/8/layout/list1"/>
-    <dgm:cxn modelId="{28D2DCFA-D56D-4799-8284-0DAF131F4EF1}" srcId="{1237457D-E389-40B3-9058-69171BF06F59}" destId="{0F23B8B5-95F4-44E2-AEDA-8F064EDDAE30}" srcOrd="2" destOrd="0" parTransId="{E1DC146C-85F0-4C54-9A3C-E1CF21276EB2}" sibTransId="{4EBEC58A-CC51-4305-88F9-836A90595ABF}"/>
-    <dgm:cxn modelId="{A8805886-C2C2-49BA-8646-D66AF6946B03}" type="presOf" srcId="{0F23B8B5-95F4-44E2-AEDA-8F064EDDAE30}" destId="{242BEC13-8925-48C6-BA78-69940B9F3172}" srcOrd="1" destOrd="0" presId="urn:microsoft.com/office/officeart/2005/8/layout/list1"/>
-    <dgm:cxn modelId="{75A72B28-36C3-420B-8611-EC9106BDBBE3}" type="presOf" srcId="{74034C5D-FD09-49B4-9495-E4DE1EFAE407}" destId="{F23FEB27-2B07-48D1-9CD3-383943D086CD}" srcOrd="0" destOrd="0" presId="urn:microsoft.com/office/officeart/2005/8/layout/list1"/>
-    <dgm:cxn modelId="{A1ECA493-F95F-4E39-8072-620ADE270428}" type="presOf" srcId="{D1FD6FBC-F4E3-49C3-9F1D-21D10045CB21}" destId="{0E7628B2-A958-487C-8E9D-56E276D248BF}" srcOrd="0" destOrd="0" presId="urn:microsoft.com/office/officeart/2005/8/layout/list1"/>
-    <dgm:cxn modelId="{37EF9D2F-65BC-40B3-BE67-4BAA2C88B9EE}" srcId="{D1FD6FBC-F4E3-49C3-9F1D-21D10045CB21}" destId="{90B52E4D-1B18-491C-B613-32646F65182F}" srcOrd="0" destOrd="0" parTransId="{12A08FDC-F9B8-4BD0-B06B-387CCC11FEC9}" sibTransId="{6F9407AD-CA6D-4297-8545-511D1C02DC59}"/>
-    <dgm:cxn modelId="{7E290F33-A9D0-4EA2-9A7F-4ED23C1B3D83}" type="presOf" srcId="{90B52E4D-1B18-491C-B613-32646F65182F}" destId="{CCE3C189-25EC-49C9-9B62-1074B733A15F}" srcOrd="0" destOrd="0" presId="urn:microsoft.com/office/officeart/2005/8/layout/list1"/>
-    <dgm:cxn modelId="{A9F0A015-BDF6-464D-9077-CE46F7340F04}" type="presOf" srcId="{1237457D-E389-40B3-9058-69171BF06F59}" destId="{F232CB17-EE66-4ED8-B470-9A83569A5914}" srcOrd="0" destOrd="0" presId="urn:microsoft.com/office/officeart/2005/8/layout/list1"/>
-    <dgm:cxn modelId="{B8F98D37-AFCD-4807-9297-B489531A552C}" type="presParOf" srcId="{F232CB17-EE66-4ED8-B470-9A83569A5914}" destId="{594A448C-71C0-42BC-A0B9-201961C6E0B2}" srcOrd="0" destOrd="0" presId="urn:microsoft.com/office/officeart/2005/8/layout/list1"/>
+    <dgm:cxn modelId="{1C58C9EC-09D9-4357-A258-D655479A024B}" type="presParOf" srcId="{F232CB17-EE66-4ED8-B470-9A83569A5914}" destId="{70981F6B-869C-41BA-B54E-35A3E02A1D8B}" srcOrd="0" destOrd="0" presId="urn:microsoft.com/office/officeart/2005/8/layout/list1"/>
+    <dgm:cxn modelId="{F73ECF2B-48AE-4E62-9B39-806AFD7AC710}" type="presParOf" srcId="{70981F6B-869C-41BA-B54E-35A3E02A1D8B}" destId="{51E73D18-B0A1-44ED-8BC3-FAF175B97827}" srcOrd="0" destOrd="0" presId="urn:microsoft.com/office/officeart/2005/8/layout/list1"/>
+    <dgm:cxn modelId="{3090AF7B-5258-492B-B885-6814AA5E10EF}" type="presParOf" srcId="{70981F6B-869C-41BA-B54E-35A3E02A1D8B}" destId="{D6250B22-1CBE-46C6-B070-A2EC8485F884}" srcOrd="1" destOrd="0" presId="urn:microsoft.com/office/officeart/2005/8/layout/list1"/>
+    <dgm:cxn modelId="{1264F9F8-29FD-4F45-867F-A9B9B9C53A4A}" type="presParOf" srcId="{F232CB17-EE66-4ED8-B470-9A83569A5914}" destId="{8571996C-6D1E-4137-8FCB-AAE7F6C5B8A3}" srcOrd="1" destOrd="0" presId="urn:microsoft.com/office/officeart/2005/8/layout/list1"/>
+    <dgm:cxn modelId="{E3CA57BB-2B84-4D26-A6F6-DE27E844D9C7}" type="presParOf" srcId="{F232CB17-EE66-4ED8-B470-9A83569A5914}" destId="{FA34C827-657B-41A0-8607-AD9D85AFE689}" srcOrd="2" destOrd="0" presId="urn:microsoft.com/office/officeart/2005/8/layout/list1"/>
+    <dgm:cxn modelId="{6BD29CD9-5F59-482A-8514-2D2F74ADC062}" type="presParOf" srcId="{F232CB17-EE66-4ED8-B470-9A83569A5914}" destId="{27172EAF-5923-4C3B-B7C8-45E72B810A32}" srcOrd="3" destOrd="0" presId="urn:microsoft.com/office/officeart/2005/8/layout/list1"/>
+    <dgm:cxn modelId="{B8F98D37-AFCD-4807-9297-B489531A552C}" type="presParOf" srcId="{F232CB17-EE66-4ED8-B470-9A83569A5914}" destId="{594A448C-71C0-42BC-A0B9-201961C6E0B2}" srcOrd="4" destOrd="0" presId="urn:microsoft.com/office/officeart/2005/8/layout/list1"/>
     <dgm:cxn modelId="{643ACCDD-1310-42DD-ABA2-7DACDDC6A750}" type="presParOf" srcId="{594A448C-71C0-42BC-A0B9-201961C6E0B2}" destId="{F23FEB27-2B07-48D1-9CD3-383943D086CD}" srcOrd="0" destOrd="0" presId="urn:microsoft.com/office/officeart/2005/8/layout/list1"/>
     <dgm:cxn modelId="{E3CE9DD8-B9E0-4167-A634-ECAF702898D9}" type="presParOf" srcId="{594A448C-71C0-42BC-A0B9-201961C6E0B2}" destId="{7F73A44A-03DB-4E80-A4AB-3739B1301FA1}" srcOrd="1" destOrd="0" presId="urn:microsoft.com/office/officeart/2005/8/layout/list1"/>
-    <dgm:cxn modelId="{39A9560C-8F46-4042-9766-9708DE69CF76}" type="presParOf" srcId="{F232CB17-EE66-4ED8-B470-9A83569A5914}" destId="{146CC6DC-25E3-4C9D-9410-C1F9304659DA}" srcOrd="1" destOrd="0" presId="urn:microsoft.com/office/officeart/2005/8/layout/list1"/>
-    <dgm:cxn modelId="{1A7C91F8-84B5-498D-8E64-7585EAFB9116}" type="presParOf" srcId="{F232CB17-EE66-4ED8-B470-9A83569A5914}" destId="{11D599A4-777D-4F3D-B971-DAFAD4B6E3C1}" srcOrd="2" destOrd="0" presId="urn:microsoft.com/office/officeart/2005/8/layout/list1"/>
-    <dgm:cxn modelId="{81377570-78C3-4664-B969-BAC041C11DB5}" type="presParOf" srcId="{F232CB17-EE66-4ED8-B470-9A83569A5914}" destId="{D98F0822-7D11-4D2C-B1B8-655F6B158B52}" srcOrd="3" destOrd="0" presId="urn:microsoft.com/office/officeart/2005/8/layout/list1"/>
-    <dgm:cxn modelId="{2B6E6698-4A54-4EBC-B0FA-26865BB3FF42}" type="presParOf" srcId="{F232CB17-EE66-4ED8-B470-9A83569A5914}" destId="{3FA36507-26CB-47F3-8C36-EBAD1AF0879F}" srcOrd="4" destOrd="0" presId="urn:microsoft.com/office/officeart/2005/8/layout/list1"/>
+    <dgm:cxn modelId="{39A9560C-8F46-4042-9766-9708DE69CF76}" type="presParOf" srcId="{F232CB17-EE66-4ED8-B470-9A83569A5914}" destId="{146CC6DC-25E3-4C9D-9410-C1F9304659DA}" srcOrd="5" destOrd="0" presId="urn:microsoft.com/office/officeart/2005/8/layout/list1"/>
+    <dgm:cxn modelId="{1A7C91F8-84B5-498D-8E64-7585EAFB9116}" type="presParOf" srcId="{F232CB17-EE66-4ED8-B470-9A83569A5914}" destId="{11D599A4-777D-4F3D-B971-DAFAD4B6E3C1}" srcOrd="6" destOrd="0" presId="urn:microsoft.com/office/officeart/2005/8/layout/list1"/>
+    <dgm:cxn modelId="{81377570-78C3-4664-B969-BAC041C11DB5}" type="presParOf" srcId="{F232CB17-EE66-4ED8-B470-9A83569A5914}" destId="{D98F0822-7D11-4D2C-B1B8-655F6B158B52}" srcOrd="7" destOrd="0" presId="urn:microsoft.com/office/officeart/2005/8/layout/list1"/>
+    <dgm:cxn modelId="{2B6E6698-4A54-4EBC-B0FA-26865BB3FF42}" type="presParOf" srcId="{F232CB17-EE66-4ED8-B470-9A83569A5914}" destId="{3FA36507-26CB-47F3-8C36-EBAD1AF0879F}" srcOrd="8" destOrd="0" presId="urn:microsoft.com/office/officeart/2005/8/layout/list1"/>
     <dgm:cxn modelId="{A341E296-E543-439A-86F6-7EAA18CB5B24}" type="presParOf" srcId="{3FA36507-26CB-47F3-8C36-EBAD1AF0879F}" destId="{0E7628B2-A958-487C-8E9D-56E276D248BF}" srcOrd="0" destOrd="0" presId="urn:microsoft.com/office/officeart/2005/8/layout/list1"/>
     <dgm:cxn modelId="{85F8B390-0A68-470E-AEB9-5CE1CB194E22}" type="presParOf" srcId="{3FA36507-26CB-47F3-8C36-EBAD1AF0879F}" destId="{E8235700-DF44-4E79-8522-50BEBA8EC58A}" srcOrd="1" destOrd="0" presId="urn:microsoft.com/office/officeart/2005/8/layout/list1"/>
-    <dgm:cxn modelId="{DC4F0B9F-1E27-45FC-858A-4A72D5304E47}" type="presParOf" srcId="{F232CB17-EE66-4ED8-B470-9A83569A5914}" destId="{13BBE626-31BF-41D8-9422-C0F74CCE6271}" srcOrd="5" destOrd="0" presId="urn:microsoft.com/office/officeart/2005/8/layout/list1"/>
-    <dgm:cxn modelId="{543D1298-172F-4820-B559-1621CD6053C1}" type="presParOf" srcId="{F232CB17-EE66-4ED8-B470-9A83569A5914}" destId="{CCE3C189-25EC-49C9-9B62-1074B733A15F}" srcOrd="6" destOrd="0" presId="urn:microsoft.com/office/officeart/2005/8/layout/list1"/>
-    <dgm:cxn modelId="{702B2D74-E8AC-4C05-91C3-2DB872037E8E}" type="presParOf" srcId="{F232CB17-EE66-4ED8-B470-9A83569A5914}" destId="{7D2A62E7-4599-4E6C-9190-FC9FB1B05EC2}" srcOrd="7" destOrd="0" presId="urn:microsoft.com/office/officeart/2005/8/layout/list1"/>
-    <dgm:cxn modelId="{D8414586-B720-4547-A625-3E9CE056B7F8}" type="presParOf" srcId="{F232CB17-EE66-4ED8-B470-9A83569A5914}" destId="{A0180224-996C-41C7-A56A-A5A1576E823E}" srcOrd="8" destOrd="0" presId="urn:microsoft.com/office/officeart/2005/8/layout/list1"/>
+    <dgm:cxn modelId="{DC4F0B9F-1E27-45FC-858A-4A72D5304E47}" type="presParOf" srcId="{F232CB17-EE66-4ED8-B470-9A83569A5914}" destId="{13BBE626-31BF-41D8-9422-C0F74CCE6271}" srcOrd="9" destOrd="0" presId="urn:microsoft.com/office/officeart/2005/8/layout/list1"/>
+    <dgm:cxn modelId="{543D1298-172F-4820-B559-1621CD6053C1}" type="presParOf" srcId="{F232CB17-EE66-4ED8-B470-9A83569A5914}" destId="{CCE3C189-25EC-49C9-9B62-1074B733A15F}" srcOrd="10" destOrd="0" presId="urn:microsoft.com/office/officeart/2005/8/layout/list1"/>
+    <dgm:cxn modelId="{702B2D74-E8AC-4C05-91C3-2DB872037E8E}" type="presParOf" srcId="{F232CB17-EE66-4ED8-B470-9A83569A5914}" destId="{7D2A62E7-4599-4E6C-9190-FC9FB1B05EC2}" srcOrd="11" destOrd="0" presId="urn:microsoft.com/office/officeart/2005/8/layout/list1"/>
+    <dgm:cxn modelId="{D8414586-B720-4547-A625-3E9CE056B7F8}" type="presParOf" srcId="{F232CB17-EE66-4ED8-B470-9A83569A5914}" destId="{A0180224-996C-41C7-A56A-A5A1576E823E}" srcOrd="12" destOrd="0" presId="urn:microsoft.com/office/officeart/2005/8/layout/list1"/>
     <dgm:cxn modelId="{FBBF23FF-0C85-48C6-BC30-9A02206147DA}" type="presParOf" srcId="{A0180224-996C-41C7-A56A-A5A1576E823E}" destId="{793CCAE7-66D5-44F6-B260-2B302FB16AF8}" srcOrd="0" destOrd="0" presId="urn:microsoft.com/office/officeart/2005/8/layout/list1"/>
     <dgm:cxn modelId="{A3E4B29B-5292-4BD8-B3CE-80762AF37CC0}" type="presParOf" srcId="{A0180224-996C-41C7-A56A-A5A1576E823E}" destId="{242BEC13-8925-48C6-BA78-69940B9F3172}" srcOrd="1" destOrd="0" presId="urn:microsoft.com/office/officeart/2005/8/layout/list1"/>
-    <dgm:cxn modelId="{DCA317DF-E03E-461F-A101-F183794F0F00}" type="presParOf" srcId="{F232CB17-EE66-4ED8-B470-9A83569A5914}" destId="{227F867E-D432-4D0E-B4E6-2E11ABA4A46F}" srcOrd="9" destOrd="0" presId="urn:microsoft.com/office/officeart/2005/8/layout/list1"/>
-    <dgm:cxn modelId="{A87AAAA8-F456-4D31-91F9-37D7ED2E7A9C}" type="presParOf" srcId="{F232CB17-EE66-4ED8-B470-9A83569A5914}" destId="{85B36885-426C-4CDD-98BC-6CDB65DF444C}" srcOrd="10" destOrd="0" presId="urn:microsoft.com/office/officeart/2005/8/layout/list1"/>
+    <dgm:cxn modelId="{DCA317DF-E03E-461F-A101-F183794F0F00}" type="presParOf" srcId="{F232CB17-EE66-4ED8-B470-9A83569A5914}" destId="{227F867E-D432-4D0E-B4E6-2E11ABA4A46F}" srcOrd="13" destOrd="0" presId="urn:microsoft.com/office/officeart/2005/8/layout/list1"/>
+    <dgm:cxn modelId="{A87AAAA8-F456-4D31-91F9-37D7ED2E7A9C}" type="presParOf" srcId="{F232CB17-EE66-4ED8-B470-9A83569A5914}" destId="{85B36885-426C-4CDD-98BC-6CDB65DF444C}" srcOrd="14" destOrd="0" presId="urn:microsoft.com/office/officeart/2005/8/layout/list1"/>
   </dgm:cxnLst>
   <dgm:bg/>
   <dgm:whole/>
@@ -13675,23 +12866,23 @@
     </dgm:pt>
   </dgm:ptLst>
   <dgm:cxnLst>
+    <dgm:cxn modelId="{09960559-AD37-4E99-8123-6AA3C097B38A}" type="presOf" srcId="{587B0474-3221-4644-A446-D140AF325BA7}" destId="{E37FDA5F-885B-4885-8956-4F2E4C260DE9}" srcOrd="0" destOrd="0" presId="urn:microsoft.com/office/officeart/2005/8/layout/StepDownProcess"/>
+    <dgm:cxn modelId="{A503EF9F-8E39-4083-9DED-B561F56B8CC2}" srcId="{FCA98F89-782D-4BFD-83AD-3F7BF406DBAC}" destId="{A1476A4F-5649-4F1F-80EA-846433809124}" srcOrd="0" destOrd="0" parTransId="{4CADA3B8-30C3-4DD4-B6A8-371612C79429}" sibTransId="{20B07E2F-79CF-4F99-84B0-A525ADB57DA0}"/>
+    <dgm:cxn modelId="{E0008860-4AA1-4479-9486-0FBD912FF2C7}" type="presOf" srcId="{FCA98F89-782D-4BFD-83AD-3F7BF406DBAC}" destId="{8E37BC95-BD3D-4F2B-9FAF-0C3D4C7ECC88}" srcOrd="0" destOrd="0" presId="urn:microsoft.com/office/officeart/2005/8/layout/StepDownProcess"/>
+    <dgm:cxn modelId="{0300D6F7-F63B-4CCD-B782-07E0E4C99155}" type="presOf" srcId="{1237457D-E389-40B3-9058-69171BF06F59}" destId="{D34F0FD4-C6C3-4EBC-808E-1BAC02D06D22}" srcOrd="0" destOrd="0" presId="urn:microsoft.com/office/officeart/2005/8/layout/StepDownProcess"/>
+    <dgm:cxn modelId="{6BDA0407-BD47-4678-8F93-81572B5F396D}" srcId="{1237457D-E389-40B3-9058-69171BF06F59}" destId="{FCA98F89-782D-4BFD-83AD-3F7BF406DBAC}" srcOrd="2" destOrd="0" parTransId="{79830B7F-34FA-4098-9CF1-34F40E8F2E3D}" sibTransId="{AF3841DD-A696-4755-8BBC-A1AF51BF23DC}"/>
+    <dgm:cxn modelId="{BD68CFEB-477F-428C-9DBF-4BE40E55659E}" type="presOf" srcId="{A1476A4F-5649-4F1F-80EA-846433809124}" destId="{AD5EFC9A-B8C5-4165-A321-22485C9026C9}" srcOrd="0" destOrd="0" presId="urn:microsoft.com/office/officeart/2005/8/layout/StepDownProcess"/>
+    <dgm:cxn modelId="{46BE75B4-0F02-4FBD-B04B-1E6CF20FD330}" srcId="{FCA98F89-782D-4BFD-83AD-3F7BF406DBAC}" destId="{B1614BD2-746D-4D7D-B12C-F7CE6B3580EB}" srcOrd="1" destOrd="0" parTransId="{540A6A52-02A5-4602-A65A-B2842EBDAE73}" sibTransId="{568F81BA-E585-479B-A693-1D46B674622F}"/>
+    <dgm:cxn modelId="{2F49F8A9-61D9-49A9-B328-8CCF3034AAE8}" type="presOf" srcId="{B1614BD2-746D-4D7D-B12C-F7CE6B3580EB}" destId="{AD5EFC9A-B8C5-4165-A321-22485C9026C9}" srcOrd="0" destOrd="1" presId="urn:microsoft.com/office/officeart/2005/8/layout/StepDownProcess"/>
+    <dgm:cxn modelId="{85DE9392-771F-4938-95B6-D83DE37775A6}" type="presOf" srcId="{AF594F6E-E953-470B-9A05-3CD76B95BCA1}" destId="{0DA0FBC8-227B-464D-96D8-CC62231616B3}" srcOrd="0" destOrd="0" presId="urn:microsoft.com/office/officeart/2005/8/layout/StepDownProcess"/>
+    <dgm:cxn modelId="{297D5E27-1740-43C6-A463-113EBB5E56A7}" srcId="{AF594F6E-E953-470B-9A05-3CD76B95BCA1}" destId="{587B0474-3221-4644-A446-D140AF325BA7}" srcOrd="0" destOrd="0" parTransId="{7ACD17C8-B211-4F73-8819-7FF8B0557B53}" sibTransId="{03463082-14CC-43F9-910F-D8E07CE3D3FC}"/>
+    <dgm:cxn modelId="{8BD0EF0D-E20B-467B-BCAA-C2479C269EA2}" type="presOf" srcId="{5032D165-AB29-48F8-8F93-048E0F7A99E7}" destId="{E190B0BB-2528-4E4D-AE04-AA0A8579CF83}" srcOrd="0" destOrd="0" presId="urn:microsoft.com/office/officeart/2005/8/layout/StepDownProcess"/>
     <dgm:cxn modelId="{4DFE19F0-3ADF-414E-9478-4D1877302CF3}" srcId="{5032D165-AB29-48F8-8F93-048E0F7A99E7}" destId="{BEA2FD06-AB28-4F13-A318-94070DF4DBEB}" srcOrd="0" destOrd="0" parTransId="{17E0D4C6-571C-4013-B959-8BE0E98FCD74}" sibTransId="{3C6A8346-B449-4360-B041-3D91EADC11BC}"/>
     <dgm:cxn modelId="{A5CCCFDD-5D29-4211-B18B-C766ACE908D9}" type="presOf" srcId="{5A65BB37-C0D5-4011-A9C2-B95324B31A6B}" destId="{AD5EFC9A-B8C5-4165-A321-22485C9026C9}" srcOrd="0" destOrd="2" presId="urn:microsoft.com/office/officeart/2005/8/layout/StepDownProcess"/>
-    <dgm:cxn modelId="{6BDA0407-BD47-4678-8F93-81572B5F396D}" srcId="{1237457D-E389-40B3-9058-69171BF06F59}" destId="{FCA98F89-782D-4BFD-83AD-3F7BF406DBAC}" srcOrd="2" destOrd="0" parTransId="{79830B7F-34FA-4098-9CF1-34F40E8F2E3D}" sibTransId="{AF3841DD-A696-4755-8BBC-A1AF51BF23DC}"/>
-    <dgm:cxn modelId="{BD68CFEB-477F-428C-9DBF-4BE40E55659E}" type="presOf" srcId="{A1476A4F-5649-4F1F-80EA-846433809124}" destId="{AD5EFC9A-B8C5-4165-A321-22485C9026C9}" srcOrd="0" destOrd="0" presId="urn:microsoft.com/office/officeart/2005/8/layout/StepDownProcess"/>
-    <dgm:cxn modelId="{8BD0EF0D-E20B-467B-BCAA-C2479C269EA2}" type="presOf" srcId="{5032D165-AB29-48F8-8F93-048E0F7A99E7}" destId="{E190B0BB-2528-4E4D-AE04-AA0A8579CF83}" srcOrd="0" destOrd="0" presId="urn:microsoft.com/office/officeart/2005/8/layout/StepDownProcess"/>
-    <dgm:cxn modelId="{A503EF9F-8E39-4083-9DED-B561F56B8CC2}" srcId="{FCA98F89-782D-4BFD-83AD-3F7BF406DBAC}" destId="{A1476A4F-5649-4F1F-80EA-846433809124}" srcOrd="0" destOrd="0" parTransId="{4CADA3B8-30C3-4DD4-B6A8-371612C79429}" sibTransId="{20B07E2F-79CF-4F99-84B0-A525ADB57DA0}"/>
+    <dgm:cxn modelId="{70846252-3511-481B-8112-782977B783F8}" type="presOf" srcId="{BEA2FD06-AB28-4F13-A318-94070DF4DBEB}" destId="{371EB0AE-EE69-485B-97D8-6CB698C68A1D}" srcOrd="0" destOrd="0" presId="urn:microsoft.com/office/officeart/2005/8/layout/StepDownProcess"/>
     <dgm:cxn modelId="{F88983BC-8C85-4DAC-8D75-F7859F52B41A}" srcId="{1237457D-E389-40B3-9058-69171BF06F59}" destId="{5032D165-AB29-48F8-8F93-048E0F7A99E7}" srcOrd="1" destOrd="0" parTransId="{2F95F5BC-A201-4B67-970E-3A0CC88331B0}" sibTransId="{3DBEFB2D-915D-497D-B857-B53027ACD56A}"/>
-    <dgm:cxn modelId="{09960559-AD37-4E99-8123-6AA3C097B38A}" type="presOf" srcId="{587B0474-3221-4644-A446-D140AF325BA7}" destId="{E37FDA5F-885B-4885-8956-4F2E4C260DE9}" srcOrd="0" destOrd="0" presId="urn:microsoft.com/office/officeart/2005/8/layout/StepDownProcess"/>
-    <dgm:cxn modelId="{46BE75B4-0F02-4FBD-B04B-1E6CF20FD330}" srcId="{FCA98F89-782D-4BFD-83AD-3F7BF406DBAC}" destId="{B1614BD2-746D-4D7D-B12C-F7CE6B3580EB}" srcOrd="1" destOrd="0" parTransId="{540A6A52-02A5-4602-A65A-B2842EBDAE73}" sibTransId="{568F81BA-E585-479B-A693-1D46B674622F}"/>
     <dgm:cxn modelId="{1FFE5353-52A7-4C73-96A4-4218F38B1178}" srcId="{FCA98F89-782D-4BFD-83AD-3F7BF406DBAC}" destId="{5A65BB37-C0D5-4011-A9C2-B95324B31A6B}" srcOrd="2" destOrd="0" parTransId="{280DC860-EF63-4930-9CE4-8DBFAC237FA1}" sibTransId="{D436A48C-2509-48E5-8B03-30FB8868DCAA}"/>
-    <dgm:cxn modelId="{70846252-3511-481B-8112-782977B783F8}" type="presOf" srcId="{BEA2FD06-AB28-4F13-A318-94070DF4DBEB}" destId="{371EB0AE-EE69-485B-97D8-6CB698C68A1D}" srcOrd="0" destOrd="0" presId="urn:microsoft.com/office/officeart/2005/8/layout/StepDownProcess"/>
-    <dgm:cxn modelId="{85DE9392-771F-4938-95B6-D83DE37775A6}" type="presOf" srcId="{AF594F6E-E953-470B-9A05-3CD76B95BCA1}" destId="{0DA0FBC8-227B-464D-96D8-CC62231616B3}" srcOrd="0" destOrd="0" presId="urn:microsoft.com/office/officeart/2005/8/layout/StepDownProcess"/>
-    <dgm:cxn modelId="{2F49F8A9-61D9-49A9-B328-8CCF3034AAE8}" type="presOf" srcId="{B1614BD2-746D-4D7D-B12C-F7CE6B3580EB}" destId="{AD5EFC9A-B8C5-4165-A321-22485C9026C9}" srcOrd="0" destOrd="1" presId="urn:microsoft.com/office/officeart/2005/8/layout/StepDownProcess"/>
     <dgm:cxn modelId="{D4DC29CF-1843-47B0-9A52-D53203B3F55A}" srcId="{1237457D-E389-40B3-9058-69171BF06F59}" destId="{AF594F6E-E953-470B-9A05-3CD76B95BCA1}" srcOrd="0" destOrd="0" parTransId="{5EA3D745-7789-4A08-985A-111724664A61}" sibTransId="{98C2A030-DB6F-4FB5-948A-05173DD7F217}"/>
-    <dgm:cxn modelId="{E0008860-4AA1-4479-9486-0FBD912FF2C7}" type="presOf" srcId="{FCA98F89-782D-4BFD-83AD-3F7BF406DBAC}" destId="{8E37BC95-BD3D-4F2B-9FAF-0C3D4C7ECC88}" srcOrd="0" destOrd="0" presId="urn:microsoft.com/office/officeart/2005/8/layout/StepDownProcess"/>
-    <dgm:cxn modelId="{297D5E27-1740-43C6-A463-113EBB5E56A7}" srcId="{AF594F6E-E953-470B-9A05-3CD76B95BCA1}" destId="{587B0474-3221-4644-A446-D140AF325BA7}" srcOrd="0" destOrd="0" parTransId="{7ACD17C8-B211-4F73-8819-7FF8B0557B53}" sibTransId="{03463082-14CC-43F9-910F-D8E07CE3D3FC}"/>
-    <dgm:cxn modelId="{0300D6F7-F63B-4CCD-B782-07E0E4C99155}" type="presOf" srcId="{1237457D-E389-40B3-9058-69171BF06F59}" destId="{D34F0FD4-C6C3-4EBC-808E-1BAC02D06D22}" srcOrd="0" destOrd="0" presId="urn:microsoft.com/office/officeart/2005/8/layout/StepDownProcess"/>
     <dgm:cxn modelId="{084BC71F-F66C-461A-B899-DDE177978743}" type="presParOf" srcId="{D34F0FD4-C6C3-4EBC-808E-1BAC02D06D22}" destId="{2975745A-7D36-4007-A60F-8E405779EF75}" srcOrd="0" destOrd="0" presId="urn:microsoft.com/office/officeart/2005/8/layout/StepDownProcess"/>
     <dgm:cxn modelId="{7A5559A2-704D-4CB9-9E2A-63AE66E39993}" type="presParOf" srcId="{2975745A-7D36-4007-A60F-8E405779EF75}" destId="{50E66ED8-FC86-414A-8E44-8EE06F674C37}" srcOrd="0" destOrd="0" presId="urn:microsoft.com/office/officeart/2005/8/layout/StepDownProcess"/>
     <dgm:cxn modelId="{AE1EF634-EAED-4B11-8CEF-BF32F7F44058}" type="presParOf" srcId="{2975745A-7D36-4007-A60F-8E405779EF75}" destId="{0DA0FBC8-227B-464D-96D8-CC62231616B3}" srcOrd="1" destOrd="0" presId="urn:microsoft.com/office/officeart/2005/8/layout/StepDownProcess"/>
@@ -15105,11 +14296,7 @@
         <a:p>
           <a:r>
             <a:rPr lang="en-US" dirty="0" smtClean="0"/>
-            <a:t>It displays the submitter’s </a:t>
-          </a:r>
-          <a:r>
-            <a:rPr lang="en-US" dirty="0" smtClean="0"/>
-            <a:t>E-mail</a:t>
+            <a:t>It displays the submitter’s E-mail</a:t>
           </a:r>
           <a:endParaRPr lang="en-US" dirty="0"/>
         </a:p>
@@ -15740,8 +14927,8 @@
     <dgm:cxn modelId="{286D9183-BDAF-4C53-9DBF-D2687F69E45C}" srcId="{FCA98F89-782D-4BFD-83AD-3F7BF406DBAC}" destId="{088025E8-6830-44BA-951F-999384B2FF12}" srcOrd="1" destOrd="0" parTransId="{C689DE32-7CF4-4819-B545-4F163FA5700E}" sibTransId="{1FBB5835-C1E4-4EC7-AF19-DA2AB4867BA2}"/>
     <dgm:cxn modelId="{A503EF9F-8E39-4083-9DED-B561F56B8CC2}" srcId="{FCA98F89-782D-4BFD-83AD-3F7BF406DBAC}" destId="{A1476A4F-5649-4F1F-80EA-846433809124}" srcOrd="0" destOrd="0" parTransId="{4CADA3B8-30C3-4DD4-B6A8-371612C79429}" sibTransId="{20B07E2F-79CF-4F99-84B0-A525ADB57DA0}"/>
     <dgm:cxn modelId="{B4ABBC6D-6DB1-4352-A834-F80FAC6D929C}" type="presOf" srcId="{FCA98F89-782D-4BFD-83AD-3F7BF406DBAC}" destId="{8E37BC95-BD3D-4F2B-9FAF-0C3D4C7ECC88}" srcOrd="0" destOrd="0" presId="urn:microsoft.com/office/officeart/2005/8/layout/StepDownProcess"/>
+    <dgm:cxn modelId="{CD5DBC41-33BA-4484-A672-360431A9CC32}" type="presOf" srcId="{5032D165-AB29-48F8-8F93-048E0F7A99E7}" destId="{E190B0BB-2528-4E4D-AE04-AA0A8579CF83}" srcOrd="0" destOrd="0" presId="urn:microsoft.com/office/officeart/2005/8/layout/StepDownProcess"/>
     <dgm:cxn modelId="{CCD68872-857B-47B1-BF15-BAAD94C8ACE6}" type="presOf" srcId="{587B0474-3221-4644-A446-D140AF325BA7}" destId="{E37FDA5F-885B-4885-8956-4F2E4C260DE9}" srcOrd="0" destOrd="0" presId="urn:microsoft.com/office/officeart/2005/8/layout/StepDownProcess"/>
-    <dgm:cxn modelId="{CD5DBC41-33BA-4484-A672-360431A9CC32}" type="presOf" srcId="{5032D165-AB29-48F8-8F93-048E0F7A99E7}" destId="{E190B0BB-2528-4E4D-AE04-AA0A8579CF83}" srcOrd="0" destOrd="0" presId="urn:microsoft.com/office/officeart/2005/8/layout/StepDownProcess"/>
     <dgm:cxn modelId="{6BDA0407-BD47-4678-8F93-81572B5F396D}" srcId="{1237457D-E389-40B3-9058-69171BF06F59}" destId="{FCA98F89-782D-4BFD-83AD-3F7BF406DBAC}" srcOrd="2" destOrd="0" parTransId="{79830B7F-34FA-4098-9CF1-34F40E8F2E3D}" sibTransId="{AF3841DD-A696-4755-8BBC-A1AF51BF23DC}"/>
     <dgm:cxn modelId="{297D5E27-1740-43C6-A463-113EBB5E56A7}" srcId="{AF594F6E-E953-470B-9A05-3CD76B95BCA1}" destId="{587B0474-3221-4644-A446-D140AF325BA7}" srcOrd="0" destOrd="0" parTransId="{7ACD17C8-B211-4F73-8819-7FF8B0557B53}" sibTransId="{03463082-14CC-43F9-910F-D8E07CE3D3FC}"/>
     <dgm:cxn modelId="{5AFA7397-AE6F-460C-B184-BDA58E215FC8}" type="presOf" srcId="{BEA2FD06-AB28-4F13-A318-94070DF4DBEB}" destId="{371EB0AE-EE69-485B-97D8-6CB698C68A1D}" srcOrd="0" destOrd="0" presId="urn:microsoft.com/office/officeart/2005/8/layout/StepDownProcess"/>
@@ -16746,7 +15933,7 @@
       <dsp:spPr>
         <a:xfrm>
           <a:off x="0" y="386490"/>
-          <a:ext cx="8229600" cy="1282049"/>
+          <a:ext cx="8229599" cy="1282049"/>
         </a:xfrm>
         <a:prstGeom prst="rect">
           <a:avLst/>
@@ -16831,7 +16018,7 @@
       </dsp:txBody>
       <dsp:txXfrm>
         <a:off x="0" y="386490"/>
-        <a:ext cx="8229600" cy="1282049"/>
+        <a:ext cx="8229599" cy="1282049"/>
       </dsp:txXfrm>
     </dsp:sp>
     <dsp:sp modelId="{8365E5CE-E84E-4955-9FD3-D03D62C20D36}">
@@ -16901,7 +16088,15 @@
           </a:pPr>
           <a:r>
             <a:rPr lang="en-US" sz="2200" kern="1200" dirty="0" smtClean="0"/>
-            <a:t>1) Unit-Testing C#</a:t>
+            <a:t>1) </a:t>
+          </a:r>
+          <a:r>
+            <a:rPr lang="en-US" sz="2200" kern="1200" dirty="0" smtClean="0"/>
+            <a:t>Unit Testing </a:t>
+          </a:r>
+          <a:r>
+            <a:rPr lang="en-US" sz="2200" kern="1200" dirty="0" smtClean="0"/>
+            <a:t>C#</a:t>
           </a:r>
           <a:endParaRPr lang="en-US" sz="2200" kern="1200" dirty="0"/>
         </a:p>
@@ -16919,7 +16114,7 @@
       <dsp:spPr>
         <a:xfrm>
           <a:off x="0" y="2112060"/>
-          <a:ext cx="8229600" cy="1663200"/>
+          <a:ext cx="8229599" cy="1663200"/>
         </a:xfrm>
         <a:prstGeom prst="rect">
           <a:avLst/>
@@ -17023,7 +16218,7 @@
       </dsp:txBody>
       <dsp:txXfrm>
         <a:off x="0" y="2112060"/>
-        <a:ext cx="8229600" cy="1663200"/>
+        <a:ext cx="8229599" cy="1663200"/>
       </dsp:txXfrm>
     </dsp:sp>
     <dsp:sp modelId="{445A0DFC-987B-4628-A42C-F3CA2578BF9F}">
@@ -17093,7 +16288,15 @@
           </a:pPr>
           <a:r>
             <a:rPr lang="en-US" sz="2200" kern="1200" dirty="0" smtClean="0"/>
-            <a:t>2) Unit-Testing JavaScript</a:t>
+            <a:t>2) </a:t>
+          </a:r>
+          <a:r>
+            <a:rPr lang="en-US" sz="2200" kern="1200" dirty="0" smtClean="0"/>
+            <a:t>Unit Testing </a:t>
+          </a:r>
+          <a:r>
+            <a:rPr lang="en-US" sz="2200" kern="1200" dirty="0" smtClean="0"/>
+            <a:t>JavaScript</a:t>
           </a:r>
           <a:endParaRPr lang="en-US" sz="2200" kern="1200" dirty="0"/>
         </a:p>
@@ -17111,7 +16314,7 @@
       <dsp:spPr>
         <a:xfrm>
           <a:off x="0" y="4218780"/>
-          <a:ext cx="8229600" cy="1282049"/>
+          <a:ext cx="8229599" cy="1282049"/>
         </a:xfrm>
         <a:prstGeom prst="rect">
           <a:avLst/>
@@ -17200,7 +16403,7 @@
       </dsp:txBody>
       <dsp:txXfrm>
         <a:off x="0" y="4218780"/>
-        <a:ext cx="8229600" cy="1282049"/>
+        <a:ext cx="8229599" cy="1282049"/>
       </dsp:txXfrm>
     </dsp:sp>
     <dsp:sp modelId="{AC389A52-A4FE-4C31-83E5-90ECAB9C1030}">
@@ -17504,7 +16707,7 @@
         <a:solidFill>
           <a:schemeClr val="accent5">
             <a:tint val="50000"/>
-            <a:hueOff val="-10774846"/>
+            <a:hueOff val="-10774845"/>
             <a:satOff val="46375"/>
             <a:lumOff val="12537"/>
             <a:alphaOff val="0"/>
@@ -18040,7 +17243,7 @@
         <a:solidFill>
           <a:schemeClr val="accent5">
             <a:tint val="50000"/>
-            <a:hueOff val="-10774846"/>
+            <a:hueOff val="-10774845"/>
             <a:satOff val="46375"/>
             <a:lumOff val="12537"/>
             <a:alphaOff val="0"/>
@@ -18383,15 +17586,15 @@
       <dsp:cNvGrpSpPr/>
     </dsp:nvGrpSpPr>
     <dsp:grpSpPr/>
-    <dsp:sp modelId="{11D599A4-777D-4F3D-B971-DAFAD4B6E3C1}">
+    <dsp:sp modelId="{FA34C827-657B-41A0-8607-AD9D85AFE689}">
       <dsp:nvSpPr>
         <dsp:cNvPr id="0" name=""/>
         <dsp:cNvSpPr/>
       </dsp:nvSpPr>
       <dsp:spPr>
         <a:xfrm>
-          <a:off x="0" y="484274"/>
-          <a:ext cx="8229600" cy="1275750"/>
+          <a:off x="0" y="349814"/>
+          <a:ext cx="8229599" cy="893025"/>
         </a:xfrm>
         <a:prstGeom prst="rect">
           <a:avLst/>
@@ -18431,12 +17634,12 @@
         <a:fontRef idx="minor"/>
       </dsp:style>
       <dsp:txBody>
-        <a:bodyPr spcFirstLastPara="0" vert="horz" wrap="square" lIns="638708" tIns="624840" rIns="638708" bIns="213360" numCol="1" spcCol="1270" anchor="t" anchorCtr="0">
+        <a:bodyPr spcFirstLastPara="0" vert="horz" wrap="square" lIns="638708" tIns="437388" rIns="638708" bIns="149352" numCol="1" spcCol="1270" anchor="t" anchorCtr="0">
           <a:noAutofit/>
         </a:bodyPr>
         <a:lstStyle/>
         <a:p>
-          <a:pPr marL="285750" lvl="1" indent="-285750" algn="l" defTabSz="1333500">
+          <a:pPr marL="228600" lvl="1" indent="-228600" algn="l" defTabSz="933450">
             <a:lnSpc>
               <a:spcPct val="90000"/>
             </a:lnSpc>
@@ -18449,26 +17652,26 @@
             <a:buChar char="••"/>
           </a:pPr>
           <a:r>
-            <a:rPr lang="en-US" sz="3000" kern="1200" dirty="0" smtClean="0"/>
-            <a:t> </a:t>
+            <a:rPr lang="en-US" sz="2100" kern="1200" dirty="0" smtClean="0"/>
+            <a:t>Last session of the day, learn about cloud-enabling this app!</a:t>
           </a:r>
-          <a:endParaRPr lang="en-US" sz="3000" kern="1200" dirty="0"/>
+          <a:endParaRPr lang="en-US" sz="2100" kern="1200" dirty="0"/>
         </a:p>
       </dsp:txBody>
       <dsp:txXfrm>
-        <a:off x="0" y="484274"/>
-        <a:ext cx="8229600" cy="1275750"/>
+        <a:off x="0" y="349814"/>
+        <a:ext cx="8229599" cy="893025"/>
       </dsp:txXfrm>
     </dsp:sp>
-    <dsp:sp modelId="{7F73A44A-03DB-4E80-A4AB-3739B1301FA1}">
+    <dsp:sp modelId="{D6250B22-1CBE-46C6-B070-A2EC8485F884}">
       <dsp:nvSpPr>
         <dsp:cNvPr id="0" name=""/>
         <dsp:cNvSpPr/>
       </dsp:nvSpPr>
       <dsp:spPr>
         <a:xfrm>
-          <a:off x="411480" y="41474"/>
-          <a:ext cx="5760720" cy="885600"/>
+          <a:off x="411480" y="39854"/>
+          <a:ext cx="5760720" cy="619920"/>
         </a:xfrm>
         <a:prstGeom prst="roundRect">
           <a:avLst/>
@@ -18514,7 +17717,7 @@
         </a:bodyPr>
         <a:lstStyle/>
         <a:p>
-          <a:pPr lvl="0" algn="l" defTabSz="1333500">
+          <a:pPr lvl="0" algn="l" defTabSz="933450">
             <a:lnSpc>
               <a:spcPct val="90000"/>
             </a:lnSpc>
@@ -18526,38 +17729,26 @@
             </a:spcAft>
           </a:pPr>
           <a:r>
-            <a:rPr lang="en-US" sz="3000" kern="1200" dirty="0" smtClean="0"/>
-            <a:t>Install </a:t>
+            <a:rPr lang="en-US" sz="2100" kern="1200" dirty="0" smtClean="0"/>
+            <a:t>Come see me tomorrow!</a:t>
           </a:r>
-          <a:r>
-            <a:rPr lang="en-US" sz="3000" kern="1200" dirty="0" err="1" smtClean="0"/>
-            <a:t>SpecsFor</a:t>
-          </a:r>
-          <a:r>
-            <a:rPr lang="en-US" sz="3000" kern="1200" dirty="0" smtClean="0"/>
-            <a:t> and </a:t>
-          </a:r>
-          <a:r>
-            <a:rPr lang="en-US" sz="3000" kern="1200" dirty="0" err="1" smtClean="0"/>
-            <a:t>SpecsFor.Mvc</a:t>
-          </a:r>
-          <a:endParaRPr lang="en-US" sz="3000" kern="1200" dirty="0"/>
+          <a:endParaRPr lang="en-US" sz="2100" kern="1200" dirty="0"/>
         </a:p>
       </dsp:txBody>
       <dsp:txXfrm>
-        <a:off x="454711" y="84705"/>
-        <a:ext cx="5674258" cy="799138"/>
+        <a:off x="441742" y="70116"/>
+        <a:ext cx="5700196" cy="559396"/>
       </dsp:txXfrm>
     </dsp:sp>
-    <dsp:sp modelId="{CCE3C189-25EC-49C9-9B62-1074B733A15F}">
+    <dsp:sp modelId="{11D599A4-777D-4F3D-B971-DAFAD4B6E3C1}">
       <dsp:nvSpPr>
         <dsp:cNvPr id="0" name=""/>
         <dsp:cNvSpPr/>
       </dsp:nvSpPr>
       <dsp:spPr>
         <a:xfrm>
-          <a:off x="0" y="2364825"/>
-          <a:ext cx="8229600" cy="1275750"/>
+          <a:off x="0" y="1666199"/>
+          <a:ext cx="8229599" cy="1223774"/>
         </a:xfrm>
         <a:prstGeom prst="rect">
           <a:avLst/>
@@ -18574,9 +17765,9 @@
         <a:ln w="25400" cap="flat" cmpd="sng" algn="ctr">
           <a:solidFill>
             <a:schemeClr val="accent5">
-              <a:hueOff val="-4966938"/>
-              <a:satOff val="19906"/>
-              <a:lumOff val="4314"/>
+              <a:hueOff val="-3311292"/>
+              <a:satOff val="13270"/>
+              <a:lumOff val="2876"/>
               <a:alphaOff val="0"/>
             </a:schemeClr>
           </a:solidFill>
@@ -18597,12 +17788,12 @@
         <a:fontRef idx="minor"/>
       </dsp:style>
       <dsp:txBody>
-        <a:bodyPr spcFirstLastPara="0" vert="horz" wrap="square" lIns="638708" tIns="624840" rIns="638708" bIns="213360" numCol="1" spcCol="1270" anchor="t" anchorCtr="0">
+        <a:bodyPr spcFirstLastPara="0" vert="horz" wrap="square" lIns="638708" tIns="437388" rIns="638708" bIns="149352" numCol="1" spcCol="1270" anchor="t" anchorCtr="0">
           <a:noAutofit/>
         </a:bodyPr>
         <a:lstStyle/>
         <a:p>
-          <a:pPr marL="285750" lvl="1" indent="-285750" algn="l" defTabSz="1333500">
+          <a:pPr marL="228600" lvl="1" indent="-228600" algn="l" defTabSz="933450">
             <a:lnSpc>
               <a:spcPct val="90000"/>
             </a:lnSpc>
@@ -18615,39 +17806,50 @@
             <a:buChar char="••"/>
           </a:pPr>
           <a:r>
-            <a:rPr lang="en-US" sz="3000" kern="1200" dirty="0" smtClean="0"/>
-            <a:t>@</a:t>
+            <a:rPr lang="en-US" sz="2100" kern="1200" dirty="0" smtClean="0"/>
+            <a:t> </a:t>
           </a:r>
-          <a:r>
-            <a:rPr lang="en-US" sz="3000" kern="1200" dirty="0" err="1" smtClean="0"/>
-            <a:t>matthoneycutt</a:t>
-          </a:r>
-          <a:endParaRPr lang="en-US" sz="3000" kern="1200" dirty="0"/>
+          <a:endParaRPr lang="en-US" sz="2100" kern="1200" dirty="0"/>
+        </a:p>
+        <a:p>
+          <a:pPr marL="228600" lvl="1" indent="-228600" algn="l" defTabSz="933450">
+            <a:lnSpc>
+              <a:spcPct val="90000"/>
+            </a:lnSpc>
+            <a:spcBef>
+              <a:spcPct val="0"/>
+            </a:spcBef>
+            <a:spcAft>
+              <a:spcPct val="15000"/>
+            </a:spcAft>
+            <a:buChar char="••"/>
+          </a:pPr>
+          <a:endParaRPr lang="en-US" sz="2100" kern="1200" dirty="0"/>
         </a:p>
       </dsp:txBody>
       <dsp:txXfrm>
-        <a:off x="0" y="2364825"/>
-        <a:ext cx="8229600" cy="1275750"/>
+        <a:off x="0" y="1666199"/>
+        <a:ext cx="8229599" cy="1223774"/>
       </dsp:txXfrm>
     </dsp:sp>
-    <dsp:sp modelId="{E8235700-DF44-4E79-8522-50BEBA8EC58A}">
+    <dsp:sp modelId="{7F73A44A-03DB-4E80-A4AB-3739B1301FA1}">
       <dsp:nvSpPr>
         <dsp:cNvPr id="0" name=""/>
         <dsp:cNvSpPr/>
       </dsp:nvSpPr>
       <dsp:spPr>
         <a:xfrm>
-          <a:off x="411480" y="1922025"/>
-          <a:ext cx="5760720" cy="885600"/>
+          <a:off x="411480" y="1356239"/>
+          <a:ext cx="5760720" cy="619920"/>
         </a:xfrm>
         <a:prstGeom prst="roundRect">
           <a:avLst/>
         </a:prstGeom>
         <a:solidFill>
           <a:schemeClr val="accent5">
-            <a:hueOff val="-4966938"/>
-            <a:satOff val="19906"/>
-            <a:lumOff val="4314"/>
+            <a:hueOff val="-3311292"/>
+            <a:satOff val="13270"/>
+            <a:lumOff val="2876"/>
             <a:alphaOff val="0"/>
           </a:schemeClr>
         </a:solidFill>
@@ -18684,7 +17886,7 @@
         </a:bodyPr>
         <a:lstStyle/>
         <a:p>
-          <a:pPr lvl="0" algn="l" defTabSz="1333500">
+          <a:pPr lvl="0" algn="l" defTabSz="933450">
             <a:lnSpc>
               <a:spcPct val="90000"/>
             </a:lnSpc>
@@ -18696,15 +17898,185 @@
             </a:spcAft>
           </a:pPr>
           <a:r>
-            <a:rPr lang="en-US" sz="3000" kern="1200" dirty="0" smtClean="0"/>
+            <a:rPr lang="en-US" sz="2100" kern="1200" dirty="0" smtClean="0"/>
+            <a:t>Install </a:t>
+          </a:r>
+          <a:r>
+            <a:rPr lang="en-US" sz="2100" kern="1200" dirty="0" err="1" smtClean="0"/>
+            <a:t>SpecsFor</a:t>
+          </a:r>
+          <a:r>
+            <a:rPr lang="en-US" sz="2100" kern="1200" dirty="0" smtClean="0"/>
+            <a:t> and </a:t>
+          </a:r>
+          <a:r>
+            <a:rPr lang="en-US" sz="2100" kern="1200" dirty="0" err="1" smtClean="0"/>
+            <a:t>SpecsFor.Mvc</a:t>
+          </a:r>
+          <a:endParaRPr lang="en-US" sz="2100" kern="1200" dirty="0"/>
+        </a:p>
+      </dsp:txBody>
+      <dsp:txXfrm>
+        <a:off x="441742" y="1386501"/>
+        <a:ext cx="5700196" cy="559396"/>
+      </dsp:txXfrm>
+    </dsp:sp>
+    <dsp:sp modelId="{CCE3C189-25EC-49C9-9B62-1074B733A15F}">
+      <dsp:nvSpPr>
+        <dsp:cNvPr id="0" name=""/>
+        <dsp:cNvSpPr/>
+      </dsp:nvSpPr>
+      <dsp:spPr>
+        <a:xfrm>
+          <a:off x="0" y="3313335"/>
+          <a:ext cx="8229599" cy="893025"/>
+        </a:xfrm>
+        <a:prstGeom prst="rect">
+          <a:avLst/>
+        </a:prstGeom>
+        <a:solidFill>
+          <a:schemeClr val="lt1">
+            <a:alpha val="90000"/>
+            <a:hueOff val="0"/>
+            <a:satOff val="0"/>
+            <a:lumOff val="0"/>
+            <a:alphaOff val="0"/>
+          </a:schemeClr>
+        </a:solidFill>
+        <a:ln w="25400" cap="flat" cmpd="sng" algn="ctr">
+          <a:solidFill>
+            <a:schemeClr val="accent5">
+              <a:hueOff val="-6622584"/>
+              <a:satOff val="26541"/>
+              <a:lumOff val="5752"/>
+              <a:alphaOff val="0"/>
+            </a:schemeClr>
+          </a:solidFill>
+          <a:prstDash val="solid"/>
+        </a:ln>
+        <a:effectLst/>
+      </dsp:spPr>
+      <dsp:style>
+        <a:lnRef idx="2">
+          <a:scrgbClr r="0" g="0" b="0"/>
+        </a:lnRef>
+        <a:fillRef idx="1">
+          <a:scrgbClr r="0" g="0" b="0"/>
+        </a:fillRef>
+        <a:effectRef idx="0">
+          <a:scrgbClr r="0" g="0" b="0"/>
+        </a:effectRef>
+        <a:fontRef idx="minor"/>
+      </dsp:style>
+      <dsp:txBody>
+        <a:bodyPr spcFirstLastPara="0" vert="horz" wrap="square" lIns="638708" tIns="437388" rIns="638708" bIns="149352" numCol="1" spcCol="1270" anchor="t" anchorCtr="0">
+          <a:noAutofit/>
+        </a:bodyPr>
+        <a:lstStyle/>
+        <a:p>
+          <a:pPr marL="228600" lvl="1" indent="-228600" algn="l" defTabSz="933450">
+            <a:lnSpc>
+              <a:spcPct val="90000"/>
+            </a:lnSpc>
+            <a:spcBef>
+              <a:spcPct val="0"/>
+            </a:spcBef>
+            <a:spcAft>
+              <a:spcPct val="15000"/>
+            </a:spcAft>
+            <a:buChar char="••"/>
+          </a:pPr>
+          <a:r>
+            <a:rPr lang="en-US" sz="2100" kern="1200" dirty="0" smtClean="0"/>
+            <a:t>@</a:t>
+          </a:r>
+          <a:r>
+            <a:rPr lang="en-US" sz="2100" kern="1200" dirty="0" err="1" smtClean="0"/>
+            <a:t>matthoneycutt</a:t>
+          </a:r>
+          <a:endParaRPr lang="en-US" sz="2100" kern="1200" dirty="0"/>
+        </a:p>
+      </dsp:txBody>
+      <dsp:txXfrm>
+        <a:off x="0" y="3313335"/>
+        <a:ext cx="8229599" cy="893025"/>
+      </dsp:txXfrm>
+    </dsp:sp>
+    <dsp:sp modelId="{E8235700-DF44-4E79-8522-50BEBA8EC58A}">
+      <dsp:nvSpPr>
+        <dsp:cNvPr id="0" name=""/>
+        <dsp:cNvSpPr/>
+      </dsp:nvSpPr>
+      <dsp:spPr>
+        <a:xfrm>
+          <a:off x="411480" y="3003375"/>
+          <a:ext cx="5760720" cy="619920"/>
+        </a:xfrm>
+        <a:prstGeom prst="roundRect">
+          <a:avLst/>
+        </a:prstGeom>
+        <a:solidFill>
+          <a:schemeClr val="accent5">
+            <a:hueOff val="-6622584"/>
+            <a:satOff val="26541"/>
+            <a:lumOff val="5752"/>
+            <a:alphaOff val="0"/>
+          </a:schemeClr>
+        </a:solidFill>
+        <a:ln w="25400" cap="flat" cmpd="sng" algn="ctr">
+          <a:solidFill>
+            <a:schemeClr val="lt1">
+              <a:hueOff val="0"/>
+              <a:satOff val="0"/>
+              <a:lumOff val="0"/>
+              <a:alphaOff val="0"/>
+            </a:schemeClr>
+          </a:solidFill>
+          <a:prstDash val="solid"/>
+        </a:ln>
+        <a:effectLst/>
+      </dsp:spPr>
+      <dsp:style>
+        <a:lnRef idx="2">
+          <a:scrgbClr r="0" g="0" b="0"/>
+        </a:lnRef>
+        <a:fillRef idx="1">
+          <a:scrgbClr r="0" g="0" b="0"/>
+        </a:fillRef>
+        <a:effectRef idx="0">
+          <a:scrgbClr r="0" g="0" b="0"/>
+        </a:effectRef>
+        <a:fontRef idx="minor">
+          <a:schemeClr val="lt1"/>
+        </a:fontRef>
+      </dsp:style>
+      <dsp:txBody>
+        <a:bodyPr spcFirstLastPara="0" vert="horz" wrap="square" lIns="217742" tIns="0" rIns="217742" bIns="0" numCol="1" spcCol="1270" anchor="ctr" anchorCtr="0">
+          <a:noAutofit/>
+        </a:bodyPr>
+        <a:lstStyle/>
+        <a:p>
+          <a:pPr lvl="0" algn="l" defTabSz="933450">
+            <a:lnSpc>
+              <a:spcPct val="90000"/>
+            </a:lnSpc>
+            <a:spcBef>
+              <a:spcPct val="0"/>
+            </a:spcBef>
+            <a:spcAft>
+              <a:spcPct val="35000"/>
+            </a:spcAft>
+          </a:pPr>
+          <a:r>
+            <a:rPr lang="en-US" sz="2100" kern="1200" dirty="0" smtClean="0"/>
             <a:t>Ping me online:</a:t>
           </a:r>
-          <a:endParaRPr lang="en-US" sz="3000" kern="1200" dirty="0"/>
+          <a:endParaRPr lang="en-US" sz="2100" kern="1200" dirty="0"/>
         </a:p>
       </dsp:txBody>
       <dsp:txXfrm>
-        <a:off x="454711" y="1965256"/>
-        <a:ext cx="5674258" cy="799138"/>
+        <a:off x="441742" y="3033637"/>
+        <a:ext cx="5700196" cy="559396"/>
       </dsp:txXfrm>
     </dsp:sp>
     <dsp:sp modelId="{85B36885-426C-4CDD-98BC-6CDB65DF444C}">
@@ -18714,8 +18086,8 @@
       </dsp:nvSpPr>
       <dsp:spPr>
         <a:xfrm>
-          <a:off x="0" y="4245375"/>
-          <a:ext cx="8229600" cy="1275750"/>
+          <a:off x="0" y="4629720"/>
+          <a:ext cx="8229599" cy="893025"/>
         </a:xfrm>
         <a:prstGeom prst="rect">
           <a:avLst/>
@@ -18755,12 +18127,12 @@
         <a:fontRef idx="minor"/>
       </dsp:style>
       <dsp:txBody>
-        <a:bodyPr spcFirstLastPara="0" vert="horz" wrap="square" lIns="638708" tIns="624840" rIns="638708" bIns="213360" numCol="1" spcCol="1270" anchor="t" anchorCtr="0">
+        <a:bodyPr spcFirstLastPara="0" vert="horz" wrap="square" lIns="638708" tIns="437388" rIns="638708" bIns="149352" numCol="1" spcCol="1270" anchor="t" anchorCtr="0">
           <a:noAutofit/>
         </a:bodyPr>
         <a:lstStyle/>
         <a:p>
-          <a:pPr marL="285750" lvl="1" indent="-285750" algn="l" defTabSz="1333500">
+          <a:pPr marL="228600" lvl="1" indent="-228600" algn="l" defTabSz="933450">
             <a:lnSpc>
               <a:spcPct val="90000"/>
             </a:lnSpc>
@@ -18773,15 +18145,15 @@
             <a:buChar char="••"/>
           </a:pPr>
           <a:r>
-            <a:rPr lang="en-US" sz="3000" kern="1200" dirty="0" smtClean="0"/>
+            <a:rPr lang="en-US" sz="2100" kern="1200" dirty="0" smtClean="0"/>
             <a:t>http://trycatchfail.com</a:t>
           </a:r>
-          <a:endParaRPr lang="en-US" sz="3000" kern="1200" dirty="0"/>
+          <a:endParaRPr lang="en-US" sz="2100" kern="1200" dirty="0"/>
         </a:p>
       </dsp:txBody>
       <dsp:txXfrm>
-        <a:off x="0" y="4245375"/>
-        <a:ext cx="8229600" cy="1275750"/>
+        <a:off x="0" y="4629720"/>
+        <a:ext cx="8229599" cy="893025"/>
       </dsp:txXfrm>
     </dsp:sp>
     <dsp:sp modelId="{242BEC13-8925-48C6-BA78-69940B9F3172}">
@@ -18791,8 +18163,8 @@
       </dsp:nvSpPr>
       <dsp:spPr>
         <a:xfrm>
-          <a:off x="411480" y="3802575"/>
-          <a:ext cx="5760720" cy="885600"/>
+          <a:off x="411480" y="4319760"/>
+          <a:ext cx="5760720" cy="619920"/>
         </a:xfrm>
         <a:prstGeom prst="roundRect">
           <a:avLst/>
@@ -18838,7 +18210,7 @@
         </a:bodyPr>
         <a:lstStyle/>
         <a:p>
-          <a:pPr lvl="0" algn="l" defTabSz="1333500">
+          <a:pPr lvl="0" algn="l" defTabSz="933450">
             <a:lnSpc>
               <a:spcPct val="90000"/>
             </a:lnSpc>
@@ -18850,15 +18222,15 @@
             </a:spcAft>
           </a:pPr>
           <a:r>
-            <a:rPr lang="en-US" sz="3000" kern="1200" dirty="0" smtClean="0"/>
+            <a:rPr lang="en-US" sz="2100" kern="1200" dirty="0" smtClean="0"/>
             <a:t>Follow my blog:</a:t>
           </a:r>
-          <a:endParaRPr lang="en-US" sz="3000" kern="1200" dirty="0"/>
+          <a:endParaRPr lang="en-US" sz="2100" kern="1200" dirty="0"/>
         </a:p>
       </dsp:txBody>
       <dsp:txXfrm>
-        <a:off x="454711" y="3845806"/>
-        <a:ext cx="5674258" cy="799138"/>
+        <a:off x="441742" y="4350022"/>
+        <a:ext cx="5700196" cy="559396"/>
       </dsp:txXfrm>
     </dsp:sp>
   </dsp:spTree>
@@ -19764,7 +19136,7 @@
         <a:solidFill>
           <a:schemeClr val="accent5">
             <a:tint val="50000"/>
-            <a:hueOff val="-10774846"/>
+            <a:hueOff val="-10774845"/>
             <a:satOff val="46375"/>
             <a:lumOff val="12537"/>
             <a:alphaOff val="0"/>
@@ -20134,7 +19506,7 @@
       <dsp:spPr>
         <a:xfrm rot="16200000">
           <a:off x="-676622" y="677664"/>
-          <a:ext cx="4064000" cy="2708671"/>
+          <a:ext cx="4063999" cy="2708671"/>
         </a:xfrm>
         <a:prstGeom prst="flowChartManualOperation">
           <a:avLst/>
@@ -20279,8 +19651,8 @@
         </a:p>
       </dsp:txBody>
       <dsp:txXfrm rot="5400000">
-        <a:off x="1043" y="812799"/>
-        <a:ext cx="2708671" cy="2438400"/>
+        <a:off x="1042" y="812800"/>
+        <a:ext cx="2708671" cy="2438399"/>
       </dsp:txXfrm>
     </dsp:sp>
     <dsp:sp modelId="{8A834D42-6069-473D-979E-B144F69D9184}">
@@ -20291,7 +19663,7 @@
       <dsp:spPr>
         <a:xfrm rot="16200000">
           <a:off x="2235200" y="677664"/>
-          <a:ext cx="4064000" cy="2708671"/>
+          <a:ext cx="4063999" cy="2708671"/>
         </a:xfrm>
         <a:prstGeom prst="flowChartManualOperation">
           <a:avLst/>
@@ -20421,8 +19793,8 @@
         </a:p>
       </dsp:txBody>
       <dsp:txXfrm rot="5400000">
-        <a:off x="2912865" y="812799"/>
-        <a:ext cx="2708671" cy="2438400"/>
+        <a:off x="2912864" y="812800"/>
+        <a:ext cx="2708671" cy="2438399"/>
       </dsp:txXfrm>
     </dsp:sp>
     <dsp:sp modelId="{631A14A7-CCA1-4A73-8274-67D8D15979A1}">
@@ -20433,7 +19805,7 @@
       <dsp:spPr>
         <a:xfrm rot="16200000">
           <a:off x="5147022" y="677664"/>
-          <a:ext cx="4064000" cy="2708671"/>
+          <a:ext cx="4063999" cy="2708671"/>
         </a:xfrm>
         <a:prstGeom prst="flowChartManualOperation">
           <a:avLst/>
@@ -20548,8 +19920,8 @@
         </a:p>
       </dsp:txBody>
       <dsp:txXfrm rot="5400000">
-        <a:off x="5824687" y="812799"/>
-        <a:ext cx="2708671" cy="2438400"/>
+        <a:off x="5824686" y="812800"/>
+        <a:ext cx="2708671" cy="2438399"/>
       </dsp:txXfrm>
     </dsp:sp>
   </dsp:spTree>
@@ -20788,7 +20160,7 @@
         <a:solidFill>
           <a:schemeClr val="accent5">
             <a:tint val="50000"/>
-            <a:hueOff val="-10774846"/>
+            <a:hueOff val="-10774845"/>
             <a:satOff val="46375"/>
             <a:lumOff val="12537"/>
             <a:alphaOff val="0"/>
@@ -21362,7 +20734,7 @@
         <a:solidFill>
           <a:schemeClr val="accent5">
             <a:tint val="50000"/>
-            <a:hueOff val="-10774846"/>
+            <a:hueOff val="-10774845"/>
             <a:satOff val="46375"/>
             <a:lumOff val="12537"/>
             <a:alphaOff val="0"/>
@@ -21702,11 +21074,7 @@
           </a:pPr>
           <a:r>
             <a:rPr lang="en-US" sz="1000" kern="1200" dirty="0" smtClean="0"/>
-            <a:t>It displays the submitter’s </a:t>
-          </a:r>
-          <a:r>
-            <a:rPr lang="en-US" sz="1000" kern="1200" dirty="0" smtClean="0"/>
-            <a:t>E-mail</a:t>
+            <a:t>It displays the submitter’s E-mail</a:t>
           </a:r>
           <a:endParaRPr lang="en-US" sz="1000" kern="1200" dirty="0"/>
         </a:p>
@@ -21940,7 +21308,7 @@
         <a:solidFill>
           <a:schemeClr val="accent5">
             <a:tint val="50000"/>
-            <a:hueOff val="-10774846"/>
+            <a:hueOff val="-10774845"/>
             <a:satOff val="46375"/>
             <a:lumOff val="12537"/>
             <a:alphaOff val="0"/>
@@ -22495,7 +21863,7 @@
         <a:solidFill>
           <a:schemeClr val="accent5">
             <a:tint val="50000"/>
-            <a:hueOff val="-10774846"/>
+            <a:hueOff val="-10774845"/>
             <a:satOff val="46375"/>
             <a:lumOff val="12537"/>
             <a:alphaOff val="0"/>
@@ -22846,7 +22214,7 @@
       <dsp:spPr>
         <a:xfrm rot="16200000">
           <a:off x="-676622" y="677664"/>
-          <a:ext cx="4064000" cy="2708671"/>
+          <a:ext cx="4063999" cy="2708671"/>
         </a:xfrm>
         <a:prstGeom prst="flowChartManualOperation">
           <a:avLst/>
@@ -22968,8 +22336,8 @@
         </a:p>
       </dsp:txBody>
       <dsp:txXfrm rot="5400000">
-        <a:off x="1043" y="812799"/>
-        <a:ext cx="2708671" cy="2438400"/>
+        <a:off x="1042" y="812800"/>
+        <a:ext cx="2708671" cy="2438399"/>
       </dsp:txXfrm>
     </dsp:sp>
     <dsp:sp modelId="{8A834D42-6069-473D-979E-B144F69D9184}">
@@ -22980,7 +22348,7 @@
       <dsp:spPr>
         <a:xfrm rot="16200000">
           <a:off x="2235200" y="677664"/>
-          <a:ext cx="4064000" cy="2708671"/>
+          <a:ext cx="4063999" cy="2708671"/>
         </a:xfrm>
         <a:prstGeom prst="flowChartManualOperation">
           <a:avLst/>
@@ -23083,8 +22451,8 @@
         </a:p>
       </dsp:txBody>
       <dsp:txXfrm rot="5400000">
-        <a:off x="2912865" y="812799"/>
-        <a:ext cx="2708671" cy="2438400"/>
+        <a:off x="2912864" y="812800"/>
+        <a:ext cx="2708671" cy="2438399"/>
       </dsp:txXfrm>
     </dsp:sp>
     <dsp:sp modelId="{631A14A7-CCA1-4A73-8274-67D8D15979A1}">
@@ -23095,7 +22463,7 @@
       <dsp:spPr>
         <a:xfrm rot="16200000">
           <a:off x="5147022" y="677664"/>
-          <a:ext cx="4064000" cy="2708671"/>
+          <a:ext cx="4063999" cy="2708671"/>
         </a:xfrm>
         <a:prstGeom prst="flowChartManualOperation">
           <a:avLst/>
@@ -23198,8 +22566,8 @@
         </a:p>
       </dsp:txBody>
       <dsp:txXfrm rot="5400000">
-        <a:off x="5824687" y="812799"/>
-        <a:ext cx="2708671" cy="2438400"/>
+        <a:off x="5824686" y="812800"/>
+        <a:ext cx="2708671" cy="2438399"/>
       </dsp:txXfrm>
     </dsp:sp>
   </dsp:spTree>
@@ -39117,7 +38485,7 @@
             <a:fld id="{81656523-EAF5-46B7-9B06-020EE63501CA}" type="datetimeFigureOut">
               <a:rPr lang="en-US" smtClean="0"/>
               <a:pPr/>
-              <a:t>7/9/2013</a:t>
+              <a:t>7/11/2013</a:t>
             </a:fld>
             <a:endParaRPr lang="en-US"/>
           </a:p>
@@ -39299,7 +38667,7 @@
             <a:fld id="{08B732E4-6C5A-4594-82D3-8BD15445C4A1}" type="datetimeFigureOut">
               <a:rPr lang="en-US" smtClean="0"/>
               <a:pPr/>
-              <a:t>7/9/2013</a:t>
+              <a:t>7/11/2013</a:t>
             </a:fld>
             <a:endParaRPr lang="en-US"/>
           </a:p>
@@ -39491,7 +38859,7 @@
             <a:fld id="{9C3C59CE-4D55-4C49-9C6F-2B250D39A70E}" type="datetimeFigureOut">
               <a:rPr lang="en-US" smtClean="0"/>
               <a:pPr/>
-              <a:t>7/9/2013</a:t>
+              <a:t>7/11/2013</a:t>
             </a:fld>
             <a:endParaRPr lang="en-US"/>
           </a:p>
@@ -39673,7 +39041,7 @@
             <a:fld id="{1B87C617-8F19-432A-9275-23BE2196BEB5}" type="datetimeFigureOut">
               <a:rPr lang="en-US" smtClean="0"/>
               <a:pPr/>
-              <a:t>7/9/2013</a:t>
+              <a:t>7/11/2013</a:t>
             </a:fld>
             <a:endParaRPr lang="en-US"/>
           </a:p>
@@ -39935,7 +39303,7 @@
                 </a:solidFill>
               </a:rPr>
               <a:pPr/>
-              <a:t>7/9/2013</a:t>
+              <a:t>7/11/2013</a:t>
             </a:fld>
             <a:endParaRPr lang="en-US">
               <a:solidFill>
@@ -40247,7 +39615,7 @@
             <a:fld id="{EBDDE4B9-F741-4019-B85F-E21478F9E119}" type="datetimeFigureOut">
               <a:rPr lang="en-US" smtClean="0"/>
               <a:pPr/>
-              <a:t>7/9/2013</a:t>
+              <a:t>7/11/2013</a:t>
             </a:fld>
             <a:endParaRPr lang="en-US"/>
           </a:p>
@@ -40681,7 +40049,7 @@
             <a:fld id="{EE64089C-D369-469E-B8EF-DA981A30B6A9}" type="datetimeFigureOut">
               <a:rPr lang="en-US" smtClean="0"/>
               <a:pPr/>
-              <a:t>7/9/2013</a:t>
+              <a:t>7/11/2013</a:t>
             </a:fld>
             <a:endParaRPr lang="en-US"/>
           </a:p>
@@ -40811,7 +40179,7 @@
             <a:fld id="{C2790490-4DC2-4FEE-BE9B-51BF698CE1BA}" type="datetimeFigureOut">
               <a:rPr lang="en-US" smtClean="0"/>
               <a:pPr/>
-              <a:t>7/9/2013</a:t>
+              <a:t>7/11/2013</a:t>
             </a:fld>
             <a:endParaRPr lang="en-US"/>
           </a:p>
@@ -40918,7 +40286,7 @@
             <a:fld id="{967AFAAB-E4A3-4D2D-9698-ACFAEF667015}" type="datetimeFigureOut">
               <a:rPr lang="en-US" smtClean="0"/>
               <a:pPr/>
-              <a:t>7/9/2013</a:t>
+              <a:t>7/11/2013</a:t>
             </a:fld>
             <a:endParaRPr lang="en-US"/>
           </a:p>
@@ -41211,7 +40579,7 @@
                 </a:solidFill>
               </a:rPr>
               <a:pPr/>
-              <a:t>7/9/2013</a:t>
+              <a:t>7/11/2013</a:t>
             </a:fld>
             <a:endParaRPr lang="en-US">
               <a:solidFill>
@@ -41484,7 +40852,7 @@
                 </a:solidFill>
               </a:rPr>
               <a:pPr/>
-              <a:t>7/9/2013</a:t>
+              <a:t>7/11/2013</a:t>
             </a:fld>
             <a:endParaRPr lang="en-US">
               <a:solidFill>
@@ -41717,7 +41085,7 @@
                 </a:solidFill>
               </a:rPr>
               <a:pPr/>
-              <a:t>7/9/2013</a:t>
+              <a:t>7/11/2013</a:t>
             </a:fld>
             <a:endParaRPr lang="en-US" dirty="0">
               <a:solidFill>
@@ -42242,129 +41610,6 @@
             <a:pPr algn="l"/>
             <a:r>
               <a:rPr lang="en-US" dirty="0"/>
-              <a:t>Another example</a:t>
-            </a:r>
-            <a:endParaRPr lang="en-US" dirty="0"/>
-          </a:p>
-        </p:txBody>
-      </p:sp>
-      <p:graphicFrame>
-        <p:nvGraphicFramePr>
-          <p:cNvPr id="5" name="Content Placeholder 4"/>
-          <p:cNvGraphicFramePr>
-            <a:graphicFrameLocks noGrp="1"/>
-          </p:cNvGraphicFramePr>
-          <p:nvPr>
-            <p:ph idx="1"/>
-            <p:extLst>
-              <p:ext uri="{D42A27DB-BD31-4B8C-83A1-F6EECF244321}">
-                <p14:modId xmlns:p14="http://schemas.microsoft.com/office/powerpoint/2010/main" val="4065362260"/>
-              </p:ext>
-            </p:extLst>
-          </p:nvPr>
-        </p:nvGraphicFramePr>
-        <p:xfrm>
-          <a:off x="457200" y="2362200"/>
-          <a:ext cx="8229600" cy="4191000"/>
-        </p:xfrm>
-        <a:graphic>
-          <a:graphicData uri="http://schemas.openxmlformats.org/drawingml/2006/diagram">
-            <dgm:relIds xmlns:dgm="http://schemas.openxmlformats.org/drawingml/2006/diagram" xmlns:r="http://schemas.openxmlformats.org/officeDocument/2006/relationships" r:dm="rId2" r:lo="rId3" r:qs="rId4" r:cs="rId5"/>
-          </a:graphicData>
-        </a:graphic>
-      </p:graphicFrame>
-      <p:sp>
-        <p:nvSpPr>
-          <p:cNvPr id="3" name="TextBox 2"/>
-          <p:cNvSpPr txBox="1"/>
-          <p:nvPr/>
-        </p:nvSpPr>
-        <p:spPr>
-          <a:xfrm>
-            <a:off x="152401" y="1447800"/>
-            <a:ext cx="8839200" cy="646331"/>
-          </a:xfrm>
-          <a:prstGeom prst="rect">
-            <a:avLst/>
-          </a:prstGeom>
-          <a:noFill/>
-        </p:spPr>
-        <p:txBody>
-          <a:bodyPr wrap="square" rtlCol="0">
-            <a:spAutoFit/>
-          </a:bodyPr>
-          <a:lstStyle/>
-          <a:p>
-            <a:r>
-              <a:rPr lang="en-US" dirty="0" smtClean="0"/>
-              <a:t>Given a ticket exists, when a user views the ticket, it displays the ticket title, it displays the ticket body, and it displays the submitter’s E-mail.</a:t>
-            </a:r>
-            <a:endParaRPr lang="en-US" dirty="0"/>
-          </a:p>
-        </p:txBody>
-      </p:sp>
-    </p:spTree>
-    <p:extLst>
-      <p:ext uri="{BB962C8B-B14F-4D97-AF65-F5344CB8AC3E}">
-        <p14:creationId xmlns:p14="http://schemas.microsoft.com/office/powerpoint/2010/main" val="2551774200"/>
-      </p:ext>
-    </p:extLst>
-  </p:cSld>
-  <p:clrMapOvr>
-    <a:masterClrMapping/>
-  </p:clrMapOvr>
-  <p:timing>
-    <p:tnLst>
-      <p:par>
-        <p:cTn id="1" dur="indefinite" restart="never" nodeType="tmRoot"/>
-      </p:par>
-    </p:tnLst>
-  </p:timing>
-</p:sld>
-</file>
-
-<file path=ppt/slides/slide11.xml><?xml version="1.0" encoding="utf-8"?>
-<p:sld xmlns:a="http://schemas.openxmlformats.org/drawingml/2006/main" xmlns:r="http://schemas.openxmlformats.org/officeDocument/2006/relationships" xmlns:p="http://schemas.openxmlformats.org/presentationml/2006/main">
-  <p:cSld>
-    <p:spTree>
-      <p:nvGrpSpPr>
-        <p:cNvPr id="1" name=""/>
-        <p:cNvGrpSpPr/>
-        <p:nvPr/>
-      </p:nvGrpSpPr>
-      <p:grpSpPr>
-        <a:xfrm>
-          <a:off x="0" y="0"/>
-          <a:ext cx="0" cy="0"/>
-          <a:chOff x="0" y="0"/>
-          <a:chExt cx="0" cy="0"/>
-        </a:xfrm>
-      </p:grpSpPr>
-      <p:sp>
-        <p:nvSpPr>
-          <p:cNvPr id="2" name="Title 1"/>
-          <p:cNvSpPr>
-            <a:spLocks noGrp="1"/>
-          </p:cNvSpPr>
-          <p:nvPr>
-            <p:ph type="title"/>
-          </p:nvPr>
-        </p:nvSpPr>
-        <p:spPr>
-          <a:xfrm>
-            <a:off x="457200" y="274638"/>
-            <a:ext cx="8229600" cy="563562"/>
-          </a:xfrm>
-        </p:spPr>
-        <p:txBody>
-          <a:bodyPr>
-            <a:normAutofit fontScale="90000"/>
-          </a:bodyPr>
-          <a:lstStyle/>
-          <a:p>
-            <a:pPr algn="l"/>
-            <a:r>
-              <a:rPr lang="en-US" dirty="0"/>
               <a:t>Testing JavaScript </a:t>
             </a:r>
             <a:r>
@@ -42460,7 +41705,7 @@
 </p:sld>
 </file>
 
-<file path=ppt/slides/slide12.xml><?xml version="1.0" encoding="utf-8"?>
+<file path=ppt/slides/slide11.xml><?xml version="1.0" encoding="utf-8"?>
 <p:sld xmlns:a="http://schemas.openxmlformats.org/drawingml/2006/main" xmlns:r="http://schemas.openxmlformats.org/officeDocument/2006/relationships" xmlns:p="http://schemas.openxmlformats.org/presentationml/2006/main">
   <p:cSld>
     <p:spTree>
@@ -42504,7 +41749,6 @@
               <a:rPr lang="en-US" dirty="0"/>
               <a:t>Given-When-Then</a:t>
             </a:r>
-            <a:endParaRPr lang="en-US" dirty="0"/>
           </a:p>
         </p:txBody>
       </p:sp>
@@ -42559,7 +41803,6 @@
               <a:rPr lang="en-US" dirty="0"/>
               <a:t>Given a ticket view model, when saving tags, it saves tags to the server, and it displays a success message.</a:t>
             </a:r>
-            <a:endParaRPr lang="en-US" dirty="0"/>
           </a:p>
         </p:txBody>
       </p:sp>
@@ -42583,7 +41826,7 @@
 </p:sld>
 </file>
 
-<file path=ppt/slides/slide13.xml><?xml version="1.0" encoding="utf-8"?>
+<file path=ppt/slides/slide12.xml><?xml version="1.0" encoding="utf-8"?>
 <p:sld xmlns:a="http://schemas.openxmlformats.org/drawingml/2006/main" xmlns:r="http://schemas.openxmlformats.org/officeDocument/2006/relationships" xmlns:p="http://schemas.openxmlformats.org/presentationml/2006/main">
   <p:cSld>
     <p:spTree>
@@ -42627,7 +41870,6 @@
               <a:rPr lang="en-US" dirty="0"/>
               <a:t>Jasmine Specifications</a:t>
             </a:r>
-            <a:endParaRPr lang="en-US" dirty="0"/>
           </a:p>
         </p:txBody>
       </p:sp>
@@ -42706,7 +41948,7 @@
 </p:sld>
 </file>
 
-<file path=ppt/slides/slide14.xml><?xml version="1.0" encoding="utf-8"?>
+<file path=ppt/slides/slide13.xml><?xml version="1.0" encoding="utf-8"?>
 <p:sld xmlns:a="http://schemas.openxmlformats.org/drawingml/2006/main" xmlns:r="http://schemas.openxmlformats.org/officeDocument/2006/relationships" xmlns:p="http://schemas.openxmlformats.org/presentationml/2006/main">
   <p:cSld>
     <p:spTree>
@@ -42773,7 +42015,7 @@
 </p:sld>
 </file>
 
-<file path=ppt/slides/slide15.xml><?xml version="1.0" encoding="utf-8"?>
+<file path=ppt/slides/slide14.xml><?xml version="1.0" encoding="utf-8"?>
 <p:sld xmlns:a="http://schemas.openxmlformats.org/drawingml/2006/main" xmlns:r="http://schemas.openxmlformats.org/officeDocument/2006/relationships" xmlns:p="http://schemas.openxmlformats.org/presentationml/2006/main">
   <p:cSld>
     <p:spTree>
@@ -42951,7 +42193,7 @@
 </p:sld>
 </file>
 
-<file path=ppt/slides/slide16.xml><?xml version="1.0" encoding="utf-8"?>
+<file path=ppt/slides/slide15.xml><?xml version="1.0" encoding="utf-8"?>
 <p:sld xmlns:a="http://schemas.openxmlformats.org/drawingml/2006/main" xmlns:r="http://schemas.openxmlformats.org/officeDocument/2006/relationships" xmlns:p="http://schemas.openxmlformats.org/presentationml/2006/main">
   <p:cSld>
     <p:spTree>
@@ -43058,6 +42300,73 @@
     <p:extLst>
       <p:ext uri="{BB962C8B-B14F-4D97-AF65-F5344CB8AC3E}">
         <p14:creationId xmlns:p14="http://schemas.microsoft.com/office/powerpoint/2010/main" val="1369948776"/>
+      </p:ext>
+    </p:extLst>
+  </p:cSld>
+  <p:clrMapOvr>
+    <a:masterClrMapping/>
+  </p:clrMapOvr>
+  <p:timing>
+    <p:tnLst>
+      <p:par>
+        <p:cTn id="1" dur="indefinite" restart="never" nodeType="tmRoot"/>
+      </p:par>
+    </p:tnLst>
+  </p:timing>
+</p:sld>
+</file>
+
+<file path=ppt/slides/slide16.xml><?xml version="1.0" encoding="utf-8"?>
+<p:sld xmlns:a="http://schemas.openxmlformats.org/drawingml/2006/main" xmlns:r="http://schemas.openxmlformats.org/officeDocument/2006/relationships" xmlns:p="http://schemas.openxmlformats.org/presentationml/2006/main">
+  <p:cSld>
+    <p:spTree>
+      <p:nvGrpSpPr>
+        <p:cNvPr id="1" name=""/>
+        <p:cNvGrpSpPr/>
+        <p:nvPr/>
+      </p:nvGrpSpPr>
+      <p:grpSpPr>
+        <a:xfrm>
+          <a:off x="0" y="0"/>
+          <a:ext cx="0" cy="0"/>
+          <a:chOff x="0" y="0"/>
+          <a:chExt cx="0" cy="0"/>
+        </a:xfrm>
+      </p:grpSpPr>
+      <p:sp>
+        <p:nvSpPr>
+          <p:cNvPr id="2" name="Title 1"/>
+          <p:cNvSpPr>
+            <a:spLocks noGrp="1"/>
+          </p:cNvSpPr>
+          <p:nvPr>
+            <p:ph type="ctrTitle"/>
+          </p:nvPr>
+        </p:nvSpPr>
+        <p:spPr>
+          <a:xfrm>
+            <a:off x="457200" y="2590800"/>
+            <a:ext cx="8229600" cy="1143000"/>
+          </a:xfrm>
+        </p:spPr>
+        <p:txBody>
+          <a:bodyPr>
+            <a:normAutofit/>
+          </a:bodyPr>
+          <a:lstStyle/>
+          <a:p>
+            <a:r>
+              <a:rPr lang="en-US" dirty="0" smtClean="0"/>
+              <a:t>End-to-End Tests for ASP.NET MVC</a:t>
+            </a:r>
+            <a:endParaRPr lang="en-US" dirty="0"/>
+          </a:p>
+        </p:txBody>
+      </p:sp>
+    </p:spTree>
+    <p:extLst>
+      <p:ext uri="{BB962C8B-B14F-4D97-AF65-F5344CB8AC3E}">
+        <p14:creationId xmlns:p14="http://schemas.microsoft.com/office/powerpoint/2010/main" val="2032684019"/>
       </p:ext>
     </p:extLst>
   </p:cSld>
@@ -43218,73 +42527,6 @@
 </file>
 
 <file path=ppt/slides/slide18.xml><?xml version="1.0" encoding="utf-8"?>
-<p:sld xmlns:a="http://schemas.openxmlformats.org/drawingml/2006/main" xmlns:r="http://schemas.openxmlformats.org/officeDocument/2006/relationships" xmlns:p="http://schemas.openxmlformats.org/presentationml/2006/main">
-  <p:cSld>
-    <p:spTree>
-      <p:nvGrpSpPr>
-        <p:cNvPr id="1" name=""/>
-        <p:cNvGrpSpPr/>
-        <p:nvPr/>
-      </p:nvGrpSpPr>
-      <p:grpSpPr>
-        <a:xfrm>
-          <a:off x="0" y="0"/>
-          <a:ext cx="0" cy="0"/>
-          <a:chOff x="0" y="0"/>
-          <a:chExt cx="0" cy="0"/>
-        </a:xfrm>
-      </p:grpSpPr>
-      <p:sp>
-        <p:nvSpPr>
-          <p:cNvPr id="2" name="Title 1"/>
-          <p:cNvSpPr>
-            <a:spLocks noGrp="1"/>
-          </p:cNvSpPr>
-          <p:nvPr>
-            <p:ph type="ctrTitle"/>
-          </p:nvPr>
-        </p:nvSpPr>
-        <p:spPr>
-          <a:xfrm>
-            <a:off x="457200" y="2590800"/>
-            <a:ext cx="8229600" cy="1143000"/>
-          </a:xfrm>
-        </p:spPr>
-        <p:txBody>
-          <a:bodyPr>
-            <a:normAutofit/>
-          </a:bodyPr>
-          <a:lstStyle/>
-          <a:p>
-            <a:r>
-              <a:rPr lang="en-US" dirty="0" smtClean="0"/>
-              <a:t>End-to-End Tests for ASP.NET MVC</a:t>
-            </a:r>
-            <a:endParaRPr lang="en-US" dirty="0"/>
-          </a:p>
-        </p:txBody>
-      </p:sp>
-    </p:spTree>
-    <p:extLst>
-      <p:ext uri="{BB962C8B-B14F-4D97-AF65-F5344CB8AC3E}">
-        <p14:creationId xmlns:p14="http://schemas.microsoft.com/office/powerpoint/2010/main" val="2032684019"/>
-      </p:ext>
-    </p:extLst>
-  </p:cSld>
-  <p:clrMapOvr>
-    <a:masterClrMapping/>
-  </p:clrMapOvr>
-  <p:timing>
-    <p:tnLst>
-      <p:par>
-        <p:cTn id="1" dur="indefinite" restart="never" nodeType="tmRoot"/>
-      </p:par>
-    </p:tnLst>
-  </p:timing>
-</p:sld>
-</file>
-
-<file path=ppt/slides/slide19.xml><?xml version="1.0" encoding="utf-8"?>
 <p:sld xmlns:a="http://schemas.openxmlformats.org/drawingml/2006/main" xmlns:r="http://schemas.openxmlformats.org/officeDocument/2006/relationships" xmlns:p="http://schemas.openxmlformats.org/presentationml/2006/main">
   <p:cSld>
     <p:spTree>
@@ -43500,96 +42742,7 @@
 </p:sld>
 </file>
 
-<file path=ppt/slides/slide2.xml><?xml version="1.0" encoding="utf-8"?>
-<p:sld xmlns:a="http://schemas.openxmlformats.org/drawingml/2006/main" xmlns:r="http://schemas.openxmlformats.org/officeDocument/2006/relationships" xmlns:p="http://schemas.openxmlformats.org/presentationml/2006/main">
-  <p:cSld>
-    <p:spTree>
-      <p:nvGrpSpPr>
-        <p:cNvPr id="1" name=""/>
-        <p:cNvGrpSpPr/>
-        <p:nvPr/>
-      </p:nvGrpSpPr>
-      <p:grpSpPr>
-        <a:xfrm>
-          <a:off x="0" y="0"/>
-          <a:ext cx="0" cy="0"/>
-          <a:chOff x="0" y="0"/>
-          <a:chExt cx="0" cy="0"/>
-        </a:xfrm>
-      </p:grpSpPr>
-      <p:sp>
-        <p:nvSpPr>
-          <p:cNvPr id="2" name="Title 1"/>
-          <p:cNvSpPr>
-            <a:spLocks noGrp="1"/>
-          </p:cNvSpPr>
-          <p:nvPr>
-            <p:ph type="ctrTitle"/>
-          </p:nvPr>
-        </p:nvSpPr>
-        <p:spPr>
-          <a:xfrm>
-            <a:off x="457200" y="76200"/>
-            <a:ext cx="8229600" cy="1143000"/>
-          </a:xfrm>
-        </p:spPr>
-        <p:txBody>
-          <a:bodyPr>
-            <a:normAutofit/>
-          </a:bodyPr>
-          <a:lstStyle/>
-          <a:p>
-            <a:r>
-              <a:rPr lang="en-US" dirty="0" smtClean="0"/>
-              <a:t>How many of you are testing?</a:t>
-            </a:r>
-            <a:endParaRPr lang="en-US" dirty="0"/>
-          </a:p>
-        </p:txBody>
-      </p:sp>
-      <p:graphicFrame>
-        <p:nvGraphicFramePr>
-          <p:cNvPr id="12" name="Chart 11"/>
-          <p:cNvGraphicFramePr/>
-          <p:nvPr>
-            <p:extLst>
-              <p:ext uri="{D42A27DB-BD31-4B8C-83A1-F6EECF244321}">
-                <p14:modId xmlns:p14="http://schemas.microsoft.com/office/powerpoint/2010/main" val="2633569397"/>
-              </p:ext>
-            </p:extLst>
-          </p:nvPr>
-        </p:nvGraphicFramePr>
-        <p:xfrm>
-          <a:off x="1524000" y="1397000"/>
-          <a:ext cx="6096000" cy="4064000"/>
-        </p:xfrm>
-        <a:graphic>
-          <a:graphicData uri="http://schemas.openxmlformats.org/drawingml/2006/chart">
-            <c:chart xmlns:c="http://schemas.openxmlformats.org/drawingml/2006/chart" xmlns:r="http://schemas.openxmlformats.org/officeDocument/2006/relationships" r:id="rId2"/>
-          </a:graphicData>
-        </a:graphic>
-      </p:graphicFrame>
-    </p:spTree>
-    <p:extLst>
-      <p:ext uri="{BB962C8B-B14F-4D97-AF65-F5344CB8AC3E}">
-        <p14:creationId xmlns:p14="http://schemas.microsoft.com/office/powerpoint/2010/main" val="1613206917"/>
-      </p:ext>
-    </p:extLst>
-  </p:cSld>
-  <p:clrMapOvr>
-    <a:masterClrMapping/>
-  </p:clrMapOvr>
-  <p:timing>
-    <p:tnLst>
-      <p:par>
-        <p:cTn id="1" dur="indefinite" restart="never" nodeType="tmRoot"/>
-      </p:par>
-    </p:tnLst>
-  </p:timing>
-</p:sld>
-</file>
-
-<file path=ppt/slides/slide20.xml><?xml version="1.0" encoding="utf-8"?>
+<file path=ppt/slides/slide19.xml><?xml version="1.0" encoding="utf-8"?>
 <p:sld xmlns:a="http://schemas.openxmlformats.org/drawingml/2006/main" xmlns:r="http://schemas.openxmlformats.org/officeDocument/2006/relationships" xmlns:p="http://schemas.openxmlformats.org/presentationml/2006/main">
   <p:cSld>
     <p:spTree>
@@ -43647,7 +42800,7 @@
             <p:ph idx="1"/>
             <p:extLst>
               <p:ext uri="{D42A27DB-BD31-4B8C-83A1-F6EECF244321}">
-                <p14:modId xmlns:p14="http://schemas.microsoft.com/office/powerpoint/2010/main" val="1872053017"/>
+                <p14:modId xmlns:p14="http://schemas.microsoft.com/office/powerpoint/2010/main" val="3395702041"/>
               </p:ext>
             </p:extLst>
           </p:nvPr>
@@ -43685,7 +42838,7 @@
         </p:blipFill>
         <p:spPr bwMode="auto">
           <a:xfrm>
-            <a:off x="685800" y="1905000"/>
+            <a:off x="685800" y="2971800"/>
             <a:ext cx="7429500" cy="778115"/>
           </a:xfrm>
           <a:prstGeom prst="rect">
@@ -43746,7 +42899,7 @@
 </p:sld>
 </file>
 
-<file path=ppt/slides/slide3.xml><?xml version="1.0" encoding="utf-8"?>
+<file path=ppt/slides/slide2.xml><?xml version="1.0" encoding="utf-8"?>
 <p:sld xmlns:a="http://schemas.openxmlformats.org/drawingml/2006/main" xmlns:r="http://schemas.openxmlformats.org/officeDocument/2006/relationships" xmlns:p="http://schemas.openxmlformats.org/presentationml/2006/main">
   <p:cSld>
     <p:spTree>
@@ -43854,7 +43007,7 @@
 </p:sld>
 </file>
 
-<file path=ppt/slides/slide4.xml><?xml version="1.0" encoding="utf-8"?>
+<file path=ppt/slides/slide3.xml><?xml version="1.0" encoding="utf-8"?>
 <p:sld xmlns:a="http://schemas.openxmlformats.org/drawingml/2006/main" xmlns:r="http://schemas.openxmlformats.org/officeDocument/2006/relationships" xmlns:p="http://schemas.openxmlformats.org/presentationml/2006/main">
   <p:cSld>
     <p:spTree>
@@ -43912,7 +43065,7 @@
             <p:ph idx="1"/>
             <p:extLst>
               <p:ext uri="{D42A27DB-BD31-4B8C-83A1-F6EECF244321}">
-                <p14:modId xmlns:p14="http://schemas.microsoft.com/office/powerpoint/2010/main" val="2828827483"/>
+                <p14:modId xmlns:p14="http://schemas.microsoft.com/office/powerpoint/2010/main" val="1140169701"/>
               </p:ext>
             </p:extLst>
           </p:nvPr>
@@ -43947,7 +43100,7 @@
 </p:sld>
 </file>
 
-<file path=ppt/slides/slide5.xml><?xml version="1.0" encoding="utf-8"?>
+<file path=ppt/slides/slide4.xml><?xml version="1.0" encoding="utf-8"?>
 <p:sld xmlns:a="http://schemas.openxmlformats.org/drawingml/2006/main" xmlns:r="http://schemas.openxmlformats.org/officeDocument/2006/relationships" xmlns:p="http://schemas.openxmlformats.org/presentationml/2006/main">
   <p:cSld>
     <p:spTree>
@@ -44064,7 +43217,7 @@
 </p:sld>
 </file>
 
-<file path=ppt/slides/slide6.xml><?xml version="1.0" encoding="utf-8"?>
+<file path=ppt/slides/slide5.xml><?xml version="1.0" encoding="utf-8"?>
 <p:sld xmlns:a="http://schemas.openxmlformats.org/drawingml/2006/main" xmlns:r="http://schemas.openxmlformats.org/officeDocument/2006/relationships" xmlns:p="http://schemas.openxmlformats.org/presentationml/2006/main">
   <p:cSld>
     <p:spTree>
@@ -44108,7 +43261,6 @@
               <a:rPr lang="en-US" dirty="0"/>
               <a:t>Given-When-Then</a:t>
             </a:r>
-            <a:endParaRPr lang="en-US" dirty="0"/>
           </a:p>
         </p:txBody>
       </p:sp>
@@ -44187,7 +43339,7 @@
 </p:sld>
 </file>
 
-<file path=ppt/slides/slide7.xml><?xml version="1.0" encoding="utf-8"?>
+<file path=ppt/slides/slide6.xml><?xml version="1.0" encoding="utf-8"?>
 <p:sld xmlns:a="http://schemas.openxmlformats.org/drawingml/2006/main" xmlns:r="http://schemas.openxmlformats.org/officeDocument/2006/relationships" xmlns:p="http://schemas.openxmlformats.org/presentationml/2006/main">
   <p:cSld>
     <p:spTree>
@@ -44228,11 +43380,7 @@
           <a:p>
             <a:r>
               <a:rPr lang="en-US" dirty="0" smtClean="0"/>
-              <a:t>Unit-Testing </a:t>
-            </a:r>
-            <a:r>
-              <a:rPr lang="en-US" dirty="0" smtClean="0"/>
-              <a:t>with C# in ASP.NET MVC</a:t>
+              <a:t>Unit-Testing with C# in ASP.NET MVC</a:t>
             </a:r>
             <a:endParaRPr lang="en-US" dirty="0"/>
           </a:p>
@@ -44258,7 +43406,7 @@
 </p:sld>
 </file>
 
-<file path=ppt/slides/slide8.xml><?xml version="1.0" encoding="utf-8"?>
+<file path=ppt/slides/slide7.xml><?xml version="1.0" encoding="utf-8"?>
 <p:sld xmlns:a="http://schemas.openxmlformats.org/drawingml/2006/main" xmlns:r="http://schemas.openxmlformats.org/officeDocument/2006/relationships" xmlns:p="http://schemas.openxmlformats.org/presentationml/2006/main">
   <p:cSld>
     <p:spTree>
@@ -44365,7 +43513,7 @@
 </p:sld>
 </file>
 
-<file path=ppt/slides/slide9.xml><?xml version="1.0" encoding="utf-8"?>
+<file path=ppt/slides/slide8.xml><?xml version="1.0" encoding="utf-8"?>
 <p:sld xmlns:a="http://schemas.openxmlformats.org/drawingml/2006/main" xmlns:r="http://schemas.openxmlformats.org/officeDocument/2006/relationships" xmlns:p="http://schemas.openxmlformats.org/presentationml/2006/main">
   <p:cSld>
     <p:spTree>
@@ -44472,6 +43620,128 @@
     <p:extLst>
       <p:ext uri="{BB962C8B-B14F-4D97-AF65-F5344CB8AC3E}">
         <p14:creationId xmlns:p14="http://schemas.microsoft.com/office/powerpoint/2010/main" val="900758563"/>
+      </p:ext>
+    </p:extLst>
+  </p:cSld>
+  <p:clrMapOvr>
+    <a:masterClrMapping/>
+  </p:clrMapOvr>
+  <p:timing>
+    <p:tnLst>
+      <p:par>
+        <p:cTn id="1" dur="indefinite" restart="never" nodeType="tmRoot"/>
+      </p:par>
+    </p:tnLst>
+  </p:timing>
+</p:sld>
+</file>
+
+<file path=ppt/slides/slide9.xml><?xml version="1.0" encoding="utf-8"?>
+<p:sld xmlns:a="http://schemas.openxmlformats.org/drawingml/2006/main" xmlns:r="http://schemas.openxmlformats.org/officeDocument/2006/relationships" xmlns:p="http://schemas.openxmlformats.org/presentationml/2006/main">
+  <p:cSld>
+    <p:spTree>
+      <p:nvGrpSpPr>
+        <p:cNvPr id="1" name=""/>
+        <p:cNvGrpSpPr/>
+        <p:nvPr/>
+      </p:nvGrpSpPr>
+      <p:grpSpPr>
+        <a:xfrm>
+          <a:off x="0" y="0"/>
+          <a:ext cx="0" cy="0"/>
+          <a:chOff x="0" y="0"/>
+          <a:chExt cx="0" cy="0"/>
+        </a:xfrm>
+      </p:grpSpPr>
+      <p:sp>
+        <p:nvSpPr>
+          <p:cNvPr id="2" name="Title 1"/>
+          <p:cNvSpPr>
+            <a:spLocks noGrp="1"/>
+          </p:cNvSpPr>
+          <p:nvPr>
+            <p:ph type="title"/>
+          </p:nvPr>
+        </p:nvSpPr>
+        <p:spPr>
+          <a:xfrm>
+            <a:off x="457200" y="274638"/>
+            <a:ext cx="8229600" cy="563562"/>
+          </a:xfrm>
+        </p:spPr>
+        <p:txBody>
+          <a:bodyPr>
+            <a:normAutofit fontScale="90000"/>
+          </a:bodyPr>
+          <a:lstStyle/>
+          <a:p>
+            <a:pPr algn="l"/>
+            <a:r>
+              <a:rPr lang="en-US" dirty="0"/>
+              <a:t>Another example</a:t>
+            </a:r>
+          </a:p>
+        </p:txBody>
+      </p:sp>
+      <p:graphicFrame>
+        <p:nvGraphicFramePr>
+          <p:cNvPr id="5" name="Content Placeholder 4"/>
+          <p:cNvGraphicFramePr>
+            <a:graphicFrameLocks noGrp="1"/>
+          </p:cNvGraphicFramePr>
+          <p:nvPr>
+            <p:ph idx="1"/>
+            <p:extLst>
+              <p:ext uri="{D42A27DB-BD31-4B8C-83A1-F6EECF244321}">
+                <p14:modId xmlns:p14="http://schemas.microsoft.com/office/powerpoint/2010/main" val="4065362260"/>
+              </p:ext>
+            </p:extLst>
+          </p:nvPr>
+        </p:nvGraphicFramePr>
+        <p:xfrm>
+          <a:off x="457200" y="2362200"/>
+          <a:ext cx="8229600" cy="4191000"/>
+        </p:xfrm>
+        <a:graphic>
+          <a:graphicData uri="http://schemas.openxmlformats.org/drawingml/2006/diagram">
+            <dgm:relIds xmlns:dgm="http://schemas.openxmlformats.org/drawingml/2006/diagram" xmlns:r="http://schemas.openxmlformats.org/officeDocument/2006/relationships" r:dm="rId2" r:lo="rId3" r:qs="rId4" r:cs="rId5"/>
+          </a:graphicData>
+        </a:graphic>
+      </p:graphicFrame>
+      <p:sp>
+        <p:nvSpPr>
+          <p:cNvPr id="3" name="TextBox 2"/>
+          <p:cNvSpPr txBox="1"/>
+          <p:nvPr/>
+        </p:nvSpPr>
+        <p:spPr>
+          <a:xfrm>
+            <a:off x="152401" y="1447800"/>
+            <a:ext cx="8839200" cy="646331"/>
+          </a:xfrm>
+          <a:prstGeom prst="rect">
+            <a:avLst/>
+          </a:prstGeom>
+          <a:noFill/>
+        </p:spPr>
+        <p:txBody>
+          <a:bodyPr wrap="square" rtlCol="0">
+            <a:spAutoFit/>
+          </a:bodyPr>
+          <a:lstStyle/>
+          <a:p>
+            <a:r>
+              <a:rPr lang="en-US" dirty="0" smtClean="0"/>
+              <a:t>Given a ticket exists, when a user views the ticket, it displays the ticket title, it displays the ticket body, and it displays the submitter’s E-mail.</a:t>
+            </a:r>
+            <a:endParaRPr lang="en-US" dirty="0"/>
+          </a:p>
+        </p:txBody>
+      </p:sp>
+    </p:spTree>
+    <p:extLst>
+      <p:ext uri="{BB962C8B-B14F-4D97-AF65-F5344CB8AC3E}">
+        <p14:creationId xmlns:p14="http://schemas.microsoft.com/office/powerpoint/2010/main" val="2551774200"/>
       </p:ext>
     </p:extLst>
   </p:cSld>
